--- a/2023-2024/Wyk/Wyklad0.pptx
+++ b/2023-2024/Wyk/Wyklad0.pptx
@@ -5,22 +5,23 @@
     <p:sldMasterId id="2147483696" r:id="rId1"/>
   </p:sldMasterIdLst>
   <p:notesMasterIdLst>
-    <p:notesMasterId r:id="rId12"/>
+    <p:notesMasterId r:id="rId13"/>
   </p:notesMasterIdLst>
   <p:handoutMasterIdLst>
-    <p:handoutMasterId r:id="rId13"/>
+    <p:handoutMasterId r:id="rId14"/>
   </p:handoutMasterIdLst>
   <p:sldIdLst>
     <p:sldId id="346" r:id="rId2"/>
     <p:sldId id="503" r:id="rId3"/>
     <p:sldId id="512" r:id="rId4"/>
-    <p:sldId id="504" r:id="rId5"/>
-    <p:sldId id="505" r:id="rId6"/>
-    <p:sldId id="507" r:id="rId7"/>
-    <p:sldId id="508" r:id="rId8"/>
-    <p:sldId id="509" r:id="rId9"/>
-    <p:sldId id="510" r:id="rId10"/>
-    <p:sldId id="511" r:id="rId11"/>
+    <p:sldId id="513" r:id="rId5"/>
+    <p:sldId id="515" r:id="rId6"/>
+    <p:sldId id="518" r:id="rId7"/>
+    <p:sldId id="516" r:id="rId8"/>
+    <p:sldId id="507" r:id="rId9"/>
+    <p:sldId id="504" r:id="rId10"/>
+    <p:sldId id="517" r:id="rId11"/>
+    <p:sldId id="519" r:id="rId12"/>
   </p:sldIdLst>
   <p:sldSz cx="9144000" cy="6858000" type="screen4x3"/>
   <p:notesSz cx="6858000" cy="9144000"/>
@@ -281,7 +282,7 @@
           <a:p>
             <a:fld id="{5113504E-0C99-2340-A5F6-DD6E1A87C372}" type="datetimeFigureOut">
               <a:rPr lang="pl-PL" smtClean="0"/>
-              <a:t>24.03.2023</a:t>
+              <a:t>24.09.2023</a:t>
             </a:fld>
             <a:endParaRPr lang="pl-PL"/>
           </a:p>
@@ -447,7 +448,7 @@
           <a:p>
             <a:fld id="{F78C933E-44E9-2D43-91B0-0D2BEEFA7EB9}" type="datetimeFigureOut">
               <a:rPr lang="pl-PL" smtClean="0"/>
-              <a:t>24.03.2023</a:t>
+              <a:t>24.09.2023</a:t>
             </a:fld>
             <a:endParaRPr lang="pl-PL"/>
           </a:p>
@@ -876,7 +877,94 @@
     </p:spTree>
     <p:extLst>
       <p:ext uri="{BB962C8B-B14F-4D97-AF65-F5344CB8AC3E}">
-        <p14:creationId xmlns:p14="http://schemas.microsoft.com/office/powerpoint/2010/main" val="816027798"/>
+        <p14:creationId xmlns:p14="http://schemas.microsoft.com/office/powerpoint/2010/main" val="2642096692"/>
+      </p:ext>
+    </p:extLst>
+  </p:cSld>
+  <p:clrMapOvr>
+    <a:masterClrMapping/>
+  </p:clrMapOvr>
+</p:notes>
+</file>
+
+<file path=ppt/notesSlides/notesSlide11.xml><?xml version="1.0" encoding="utf-8"?>
+<p:notes xmlns:a="http://schemas.openxmlformats.org/drawingml/2006/main" xmlns:r="http://schemas.openxmlformats.org/officeDocument/2006/relationships" xmlns:p="http://schemas.openxmlformats.org/presentationml/2006/main">
+  <p:cSld>
+    <p:spTree>
+      <p:nvGrpSpPr>
+        <p:cNvPr id="1" name=""/>
+        <p:cNvGrpSpPr/>
+        <p:nvPr/>
+      </p:nvGrpSpPr>
+      <p:grpSpPr>
+        <a:xfrm>
+          <a:off x="0" y="0"/>
+          <a:ext cx="0" cy="0"/>
+          <a:chOff x="0" y="0"/>
+          <a:chExt cx="0" cy="0"/>
+        </a:xfrm>
+      </p:grpSpPr>
+      <p:sp>
+        <p:nvSpPr>
+          <p:cNvPr id="2" name="Slide Image Placeholder 1"/>
+          <p:cNvSpPr>
+            <a:spLocks noGrp="1" noRot="1" noChangeAspect="1"/>
+          </p:cNvSpPr>
+          <p:nvPr>
+            <p:ph type="sldImg"/>
+          </p:nvPr>
+        </p:nvSpPr>
+        <p:spPr/>
+      </p:sp>
+      <p:sp>
+        <p:nvSpPr>
+          <p:cNvPr id="3" name="Notes Placeholder 2"/>
+          <p:cNvSpPr>
+            <a:spLocks noGrp="1"/>
+          </p:cNvSpPr>
+          <p:nvPr>
+            <p:ph type="body" idx="1"/>
+          </p:nvPr>
+        </p:nvSpPr>
+        <p:spPr/>
+        <p:txBody>
+          <a:bodyPr/>
+          <a:lstStyle/>
+          <a:p>
+            <a:pPr rtl="0"/>
+            <a:endParaRPr lang="pl-PL" dirty="0">
+              <a:effectLst/>
+            </a:endParaRPr>
+          </a:p>
+        </p:txBody>
+      </p:sp>
+      <p:sp>
+        <p:nvSpPr>
+          <p:cNvPr id="4" name="Slide Number Placeholder 3"/>
+          <p:cNvSpPr>
+            <a:spLocks noGrp="1"/>
+          </p:cNvSpPr>
+          <p:nvPr>
+            <p:ph type="sldNum" sz="quarter" idx="10"/>
+          </p:nvPr>
+        </p:nvSpPr>
+        <p:spPr/>
+        <p:txBody>
+          <a:bodyPr/>
+          <a:lstStyle/>
+          <a:p>
+            <a:fld id="{79CE77F9-1A7F-B148-A0AA-5828300D10BC}" type="slidenum">
+              <a:rPr lang="pl-PL" smtClean="0"/>
+              <a:t>11</a:t>
+            </a:fld>
+            <a:endParaRPr lang="pl-PL"/>
+          </a:p>
+        </p:txBody>
+      </p:sp>
+    </p:spTree>
+    <p:extLst>
+      <p:ext uri="{BB962C8B-B14F-4D97-AF65-F5344CB8AC3E}">
+        <p14:creationId xmlns:p14="http://schemas.microsoft.com/office/powerpoint/2010/main" val="4095657786"/>
       </p:ext>
     </p:extLst>
   </p:cSld>
@@ -1137,7 +1225,7 @@
     </p:spTree>
     <p:extLst>
       <p:ext uri="{BB962C8B-B14F-4D97-AF65-F5344CB8AC3E}">
-        <p14:creationId xmlns:p14="http://schemas.microsoft.com/office/powerpoint/2010/main" val="3406049861"/>
+        <p14:creationId xmlns:p14="http://schemas.microsoft.com/office/powerpoint/2010/main" val="3795460727"/>
       </p:ext>
     </p:extLst>
   </p:cSld>
@@ -1186,12 +1274,15 @@
             <p:ph type="body" idx="1"/>
           </p:nvPr>
         </p:nvSpPr>
-        <p:spPr bwMode="auto"/>
+        <p:spPr/>
         <p:txBody>
           <a:bodyPr/>
           <a:lstStyle/>
           <a:p>
-            <a:endParaRPr lang="pl-PL" dirty="0"/>
+            <a:pPr rtl="0"/>
+            <a:endParaRPr lang="pl-PL" dirty="0">
+              <a:effectLst/>
+            </a:endParaRPr>
           </a:p>
         </p:txBody>
       </p:sp>
@@ -1221,7 +1312,7 @@
     </p:spTree>
     <p:extLst>
       <p:ext uri="{BB962C8B-B14F-4D97-AF65-F5344CB8AC3E}">
-        <p14:creationId xmlns:p14="http://schemas.microsoft.com/office/powerpoint/2010/main" val="1090100305"/>
+        <p14:creationId xmlns:p14="http://schemas.microsoft.com/office/powerpoint/2010/main" val="3078717562"/>
       </p:ext>
     </p:extLst>
   </p:cSld>
@@ -1308,7 +1399,7 @@
     </p:spTree>
     <p:extLst>
       <p:ext uri="{BB962C8B-B14F-4D97-AF65-F5344CB8AC3E}">
-        <p14:creationId xmlns:p14="http://schemas.microsoft.com/office/powerpoint/2010/main" val="834974292"/>
+        <p14:creationId xmlns:p14="http://schemas.microsoft.com/office/powerpoint/2010/main" val="1538016142"/>
       </p:ext>
     </p:extLst>
   </p:cSld>
@@ -1395,7 +1486,7 @@
     </p:spTree>
     <p:extLst>
       <p:ext uri="{BB962C8B-B14F-4D97-AF65-F5344CB8AC3E}">
-        <p14:creationId xmlns:p14="http://schemas.microsoft.com/office/powerpoint/2010/main" val="2851811641"/>
+        <p14:creationId xmlns:p14="http://schemas.microsoft.com/office/powerpoint/2010/main" val="882927727"/>
       </p:ext>
     </p:extLst>
   </p:cSld>
@@ -1482,7 +1573,7 @@
     </p:spTree>
     <p:extLst>
       <p:ext uri="{BB962C8B-B14F-4D97-AF65-F5344CB8AC3E}">
-        <p14:creationId xmlns:p14="http://schemas.microsoft.com/office/powerpoint/2010/main" val="3149477205"/>
+        <p14:creationId xmlns:p14="http://schemas.microsoft.com/office/powerpoint/2010/main" val="834974292"/>
       </p:ext>
     </p:extLst>
   </p:cSld>
@@ -1569,7 +1660,7 @@
     </p:spTree>
     <p:extLst>
       <p:ext uri="{BB962C8B-B14F-4D97-AF65-F5344CB8AC3E}">
-        <p14:creationId xmlns:p14="http://schemas.microsoft.com/office/powerpoint/2010/main" val="861454849"/>
+        <p14:creationId xmlns:p14="http://schemas.microsoft.com/office/powerpoint/2010/main" val="3406049861"/>
       </p:ext>
     </p:extLst>
   </p:cSld>
@@ -1758,7 +1849,7 @@
           <a:p>
             <a:fld id="{91017B01-0C30-B241-B19F-621BE4770608}" type="datetimeFigureOut">
               <a:rPr lang="pl-PL" smtClean="0"/>
-              <a:t>24.03.2023</a:t>
+              <a:t>24.09.2023</a:t>
             </a:fld>
             <a:endParaRPr lang="pl-PL"/>
           </a:p>
@@ -1927,7 +2018,7 @@
           <a:p>
             <a:fld id="{91017B01-0C30-B241-B19F-621BE4770608}" type="datetimeFigureOut">
               <a:rPr lang="pl-PL" smtClean="0"/>
-              <a:t>24.03.2023</a:t>
+              <a:t>24.09.2023</a:t>
             </a:fld>
             <a:endParaRPr lang="pl-PL"/>
           </a:p>
@@ -2106,7 +2197,7 @@
           <a:p>
             <a:fld id="{91017B01-0C30-B241-B19F-621BE4770608}" type="datetimeFigureOut">
               <a:rPr lang="pl-PL" smtClean="0"/>
-              <a:t>24.03.2023</a:t>
+              <a:t>24.09.2023</a:t>
             </a:fld>
             <a:endParaRPr lang="pl-PL"/>
           </a:p>
@@ -2275,7 +2366,7 @@
           <a:p>
             <a:fld id="{91017B01-0C30-B241-B19F-621BE4770608}" type="datetimeFigureOut">
               <a:rPr lang="pl-PL" smtClean="0"/>
-              <a:t>24.03.2023</a:t>
+              <a:t>24.09.2023</a:t>
             </a:fld>
             <a:endParaRPr lang="pl-PL"/>
           </a:p>
@@ -2521,7 +2612,7 @@
           <a:p>
             <a:fld id="{91017B01-0C30-B241-B19F-621BE4770608}" type="datetimeFigureOut">
               <a:rPr lang="pl-PL" smtClean="0"/>
-              <a:t>24.03.2023</a:t>
+              <a:t>24.09.2023</a:t>
             </a:fld>
             <a:endParaRPr lang="pl-PL"/>
           </a:p>
@@ -2807,7 +2898,7 @@
           <a:p>
             <a:fld id="{91017B01-0C30-B241-B19F-621BE4770608}" type="datetimeFigureOut">
               <a:rPr lang="pl-PL" smtClean="0"/>
-              <a:t>24.03.2023</a:t>
+              <a:t>24.09.2023</a:t>
             </a:fld>
             <a:endParaRPr lang="pl-PL"/>
           </a:p>
@@ -3227,7 +3318,7 @@
           <a:p>
             <a:fld id="{91017B01-0C30-B241-B19F-621BE4770608}" type="datetimeFigureOut">
               <a:rPr lang="pl-PL" smtClean="0"/>
-              <a:t>24.03.2023</a:t>
+              <a:t>24.09.2023</a:t>
             </a:fld>
             <a:endParaRPr lang="pl-PL"/>
           </a:p>
@@ -3345,7 +3436,7 @@
           <a:p>
             <a:fld id="{91017B01-0C30-B241-B19F-621BE4770608}" type="datetimeFigureOut">
               <a:rPr lang="pl-PL" smtClean="0"/>
-              <a:t>24.03.2023</a:t>
+              <a:t>24.09.2023</a:t>
             </a:fld>
             <a:endParaRPr lang="pl-PL"/>
           </a:p>
@@ -3441,7 +3532,7 @@
           <a:p>
             <a:fld id="{91017B01-0C30-B241-B19F-621BE4770608}" type="datetimeFigureOut">
               <a:rPr lang="pl-PL" smtClean="0"/>
-              <a:t>24.03.2023</a:t>
+              <a:t>24.09.2023</a:t>
             </a:fld>
             <a:endParaRPr lang="pl-PL"/>
           </a:p>
@@ -3718,7 +3809,7 @@
           <a:p>
             <a:fld id="{91017B01-0C30-B241-B19F-621BE4770608}" type="datetimeFigureOut">
               <a:rPr lang="pl-PL" smtClean="0"/>
-              <a:t>24.03.2023</a:t>
+              <a:t>24.09.2023</a:t>
             </a:fld>
             <a:endParaRPr lang="pl-PL"/>
           </a:p>
@@ -3974,7 +4065,7 @@
           <a:p>
             <a:fld id="{91017B01-0C30-B241-B19F-621BE4770608}" type="datetimeFigureOut">
               <a:rPr lang="pl-PL" smtClean="0"/>
-              <a:t>24.03.2023</a:t>
+              <a:t>24.09.2023</a:t>
             </a:fld>
             <a:endParaRPr lang="pl-PL"/>
           </a:p>
@@ -4186,7 +4277,7 @@
           <a:p>
             <a:fld id="{91017B01-0C30-B241-B19F-621BE4770608}" type="datetimeFigureOut">
               <a:rPr lang="pl-PL" smtClean="0"/>
-              <a:t>24.03.2023</a:t>
+              <a:t>24.09.2023</a:t>
             </a:fld>
             <a:endParaRPr lang="pl-PL"/>
           </a:p>
@@ -4828,7 +4919,7 @@
                 <a:ea typeface="Verdana" panose="020B0604030504040204" pitchFamily="34" charset="0"/>
                 <a:cs typeface="Verdana" panose="020B0604030504040204" pitchFamily="34" charset="0"/>
               </a:rPr>
-              <a:t>Architektura platformy Android</a:t>
+              <a:t>Szablon opisu</a:t>
             </a:r>
           </a:p>
         </p:txBody>
@@ -4854,7 +4945,10 @@
             <a:avLst/>
           </a:prstGeom>
           <a:solidFill>
-            <a:schemeClr val="tx1"/>
+            <a:schemeClr val="tx1">
+              <a:lumMod val="75000"/>
+              <a:lumOff val="25000"/>
+            </a:schemeClr>
           </a:solidFill>
         </p:spPr>
         <p:style>
@@ -4876,52 +4970,191 @@
           <a:lstStyle/>
           <a:p>
             <a:pPr algn="ctr"/>
-            <a:endParaRPr lang="pl-PL"/>
+            <a:endParaRPr lang="pl-PL" dirty="0"/>
           </a:p>
         </p:txBody>
       </p:sp>
       <p:pic>
         <p:nvPicPr>
-          <p:cNvPr id="4" name="Obraz 3">
+          <p:cNvPr id="2050" name="Picture 2">
             <a:extLst>
               <a:ext uri="{FF2B5EF4-FFF2-40B4-BE49-F238E27FC236}">
-                <a16:creationId xmlns:a16="http://schemas.microsoft.com/office/drawing/2014/main" id="{D84D16DA-01C4-4EED-B571-7FB4FBEEF98F}"/>
+                <a16:creationId xmlns:a16="http://schemas.microsoft.com/office/drawing/2014/main" id="{EE790F9C-C2B2-BA67-5653-DDF62DB4F9C1}"/>
               </a:ext>
             </a:extLst>
           </p:cNvPr>
           <p:cNvPicPr>
-            <a:picLocks noChangeAspect="1"/>
+            <a:picLocks noChangeAspect="1" noChangeArrowheads="1"/>
           </p:cNvPicPr>
           <p:nvPr/>
         </p:nvPicPr>
         <p:blipFill>
-          <a:blip r:embed="rId4">
+          <a:blip r:embed="rId4" cstate="print">
             <a:extLst>
               <a:ext uri="{28A0092B-C50C-407E-A947-70E740481C1C}">
                 <a14:useLocalDpi xmlns:a14="http://schemas.microsoft.com/office/drawing/2010/main" val="0"/>
               </a:ext>
             </a:extLst>
           </a:blip>
+          <a:srcRect/>
           <a:stretch>
             <a:fillRect/>
           </a:stretch>
         </p:blipFill>
+        <p:spPr bwMode="auto">
+          <a:xfrm>
+            <a:off x="2738002" y="836710"/>
+            <a:ext cx="4258111" cy="6021289"/>
+          </a:xfrm>
+          <a:prstGeom prst="rect">
+            <a:avLst/>
+          </a:prstGeom>
+          <a:noFill/>
+          <a:extLst>
+            <a:ext uri="{909E8E84-426E-40DD-AFC4-6F175D3DCCD1}">
+              <a14:hiddenFill xmlns:a14="http://schemas.microsoft.com/office/drawing/2010/main">
+                <a:solidFill>
+                  <a:srgbClr val="FFFFFF"/>
+                </a:solidFill>
+              </a14:hiddenFill>
+            </a:ext>
+          </a:extLst>
+        </p:spPr>
+      </p:pic>
+    </p:spTree>
+    <p:extLst>
+      <p:ext uri="{BB962C8B-B14F-4D97-AF65-F5344CB8AC3E}">
+        <p14:creationId xmlns:p14="http://schemas.microsoft.com/office/powerpoint/2010/main" val="1802816019"/>
+      </p:ext>
+    </p:extLst>
+  </p:cSld>
+  <p:clrMapOvr>
+    <a:masterClrMapping/>
+  </p:clrMapOvr>
+</p:sld>
+</file>
+
+<file path=ppt/slides/slide11.xml><?xml version="1.0" encoding="utf-8"?>
+<p:sld xmlns:a="http://schemas.openxmlformats.org/drawingml/2006/main" xmlns:r="http://schemas.openxmlformats.org/officeDocument/2006/relationships" xmlns:p="http://schemas.openxmlformats.org/presentationml/2006/main">
+  <p:cSld>
+    <p:bg>
+      <p:bgPr>
+        <a:blipFill dpi="0" rotWithShape="0">
+          <a:blip r:embed="rId3" cstate="print"/>
+          <a:srcRect/>
+          <a:stretch>
+            <a:fillRect/>
+          </a:stretch>
+        </a:blipFill>
+        <a:effectLst/>
+      </p:bgPr>
+    </p:bg>
+    <p:spTree>
+      <p:nvGrpSpPr>
+        <p:cNvPr id="1" name=""/>
+        <p:cNvGrpSpPr/>
+        <p:nvPr/>
+      </p:nvGrpSpPr>
+      <p:grpSpPr>
+        <a:xfrm>
+          <a:off x="0" y="0"/>
+          <a:ext cx="0" cy="0"/>
+          <a:chOff x="0" y="0"/>
+          <a:chExt cx="0" cy="0"/>
+        </a:xfrm>
+      </p:grpSpPr>
+      <p:sp>
+        <p:nvSpPr>
+          <p:cNvPr id="2" name="Rectangle 1"/>
+          <p:cNvSpPr/>
+          <p:nvPr/>
+        </p:nvSpPr>
         <p:spPr>
           <a:xfrm>
-            <a:off x="1660599" y="836712"/>
-            <a:ext cx="6791325" cy="1209675"/>
+            <a:off x="1979712" y="188640"/>
+            <a:ext cx="6696744" cy="492443"/>
           </a:xfrm>
           <a:prstGeom prst="rect">
             <a:avLst/>
           </a:prstGeom>
         </p:spPr>
-      </p:pic>
-      <p:sp>
-        <p:nvSpPr>
-          <p:cNvPr id="7" name="pole tekstowe 6">
+        <p:txBody>
+          <a:bodyPr wrap="square">
+            <a:spAutoFit/>
+          </a:bodyPr>
+          <a:lstStyle/>
+          <a:p>
+            <a:pPr algn="ctr"/>
+            <a:r>
+              <a:rPr lang="pl-PL" sz="2600" dirty="0">
+                <a:solidFill>
+                  <a:schemeClr val="bg1"/>
+                </a:solidFill>
+                <a:latin typeface="Verdana" panose="020B0604030504040204" pitchFamily="34" charset="0"/>
+                <a:ea typeface="Verdana" panose="020B0604030504040204" pitchFamily="34" charset="0"/>
+                <a:cs typeface="Verdana" panose="020B0604030504040204" pitchFamily="34" charset="0"/>
+              </a:rPr>
+              <a:t>Skala ocen</a:t>
+            </a:r>
+          </a:p>
+        </p:txBody>
+      </p:sp>
+      <p:sp>
+        <p:nvSpPr>
+          <p:cNvPr id="6" name="Prostokąt 5">
             <a:extLst>
               <a:ext uri="{FF2B5EF4-FFF2-40B4-BE49-F238E27FC236}">
-                <a16:creationId xmlns:a16="http://schemas.microsoft.com/office/drawing/2014/main" id="{151FE4CE-548E-4BFB-A53D-45E6D88E9390}"/>
+                <a16:creationId xmlns:a16="http://schemas.microsoft.com/office/drawing/2014/main" id="{CA41B780-B57E-411C-AAD5-3D3D6912F664}"/>
+              </a:ext>
+            </a:extLst>
+          </p:cNvPr>
+          <p:cNvSpPr/>
+          <p:nvPr/>
+        </p:nvSpPr>
+        <p:spPr>
+          <a:xfrm>
+            <a:off x="971600" y="836712"/>
+            <a:ext cx="8172400" cy="6021288"/>
+          </a:xfrm>
+          <a:prstGeom prst="rect">
+            <a:avLst/>
+          </a:prstGeom>
+          <a:solidFill>
+            <a:schemeClr val="tx1">
+              <a:lumMod val="75000"/>
+              <a:lumOff val="25000"/>
+            </a:schemeClr>
+          </a:solidFill>
+        </p:spPr>
+        <p:style>
+          <a:lnRef idx="1">
+            <a:schemeClr val="accent1"/>
+          </a:lnRef>
+          <a:fillRef idx="3">
+            <a:schemeClr val="accent1"/>
+          </a:fillRef>
+          <a:effectRef idx="2">
+            <a:schemeClr val="accent1"/>
+          </a:effectRef>
+          <a:fontRef idx="minor">
+            <a:schemeClr val="lt1"/>
+          </a:fontRef>
+        </p:style>
+        <p:txBody>
+          <a:bodyPr rtlCol="0" anchor="ctr"/>
+          <a:lstStyle/>
+          <a:p>
+            <a:pPr algn="ctr"/>
+            <a:endParaRPr lang="pl-PL" dirty="0"/>
+          </a:p>
+        </p:txBody>
+      </p:sp>
+      <p:sp>
+        <p:nvSpPr>
+          <p:cNvPr id="3" name="TextBox 1">
+            <a:extLst>
+              <a:ext uri="{FF2B5EF4-FFF2-40B4-BE49-F238E27FC236}">
+                <a16:creationId xmlns:a16="http://schemas.microsoft.com/office/drawing/2014/main" id="{D765EC84-7C30-9251-43A1-F3F88DAD2F45}"/>
               </a:ext>
             </a:extLst>
           </p:cNvPr>
@@ -4930,8 +5163,8 @@
         </p:nvSpPr>
         <p:spPr>
           <a:xfrm>
-            <a:off x="970062" y="1916832"/>
-            <a:ext cx="8170862" cy="4196020"/>
+            <a:off x="971600" y="1124744"/>
+            <a:ext cx="8172400" cy="2031325"/>
           </a:xfrm>
           <a:prstGeom prst="rect">
             <a:avLst/>
@@ -4944,266 +5177,179 @@
           </a:bodyPr>
           <a:lstStyle/>
           <a:p>
-            <a:pPr marL="171450" indent="-171450">
-              <a:lnSpc>
-                <a:spcPct val="150000"/>
-              </a:lnSpc>
-              <a:buFont typeface="Courier New" panose="02070309020205020404" pitchFamily="49" charset="0"/>
-              <a:buChar char="o"/>
+            <a:pPr>
+              <a:spcAft>
+                <a:spcPts val="1200"/>
+              </a:spcAft>
             </a:pPr>
             <a:r>
-              <a:rPr lang="pl-PL" sz="1800" dirty="0">
+              <a:rPr lang="pl-PL" sz="2400" dirty="0">
                 <a:solidFill>
                   <a:schemeClr val="bg1"/>
                 </a:solidFill>
               </a:rPr>
-              <a:t>Zbiór wysokopoziomowych bibliotek</a:t>
-            </a:r>
-          </a:p>
-          <a:p>
-            <a:pPr marL="171450" indent="-171450">
-              <a:lnSpc>
-                <a:spcPct val="150000"/>
-              </a:lnSpc>
-              <a:buFont typeface="Courier New" panose="02070309020205020404" pitchFamily="49" charset="0"/>
-              <a:buChar char="o"/>
+              <a:t>Orientacyjna skala ocen:</a:t>
+            </a:r>
+          </a:p>
+          <a:p>
+            <a:pPr marL="342900" indent="-342900">
+              <a:spcAft>
+                <a:spcPts val="1200"/>
+              </a:spcAft>
+              <a:buFont typeface="Arial" panose="020B0604020202020204" pitchFamily="34" charset="0"/>
+              <a:buChar char="•"/>
             </a:pPr>
             <a:r>
-              <a:rPr lang="pl-PL" sz="1800" dirty="0">
+              <a:rPr lang="pl-PL" sz="2400" dirty="0">
                 <a:solidFill>
                   <a:schemeClr val="bg1"/>
                 </a:solidFill>
               </a:rPr>
-              <a:t>Podstawowe komponenty aplikacji</a:t>
-            </a:r>
-          </a:p>
-          <a:p>
-            <a:pPr marL="171450" indent="-171450">
-              <a:lnSpc>
-                <a:spcPct val="150000"/>
-              </a:lnSpc>
-              <a:buFont typeface="Courier New" panose="02070309020205020404" pitchFamily="49" charset="0"/>
-              <a:buChar char="o"/>
+              <a:t>3,0 – 3,5: Moduł 1, Moduł 2</a:t>
+            </a:r>
+          </a:p>
+          <a:p>
+            <a:pPr marL="342900" indent="-342900">
+              <a:spcAft>
+                <a:spcPts val="1200"/>
+              </a:spcAft>
+              <a:buFont typeface="Arial" panose="020B0604020202020204" pitchFamily="34" charset="0"/>
+              <a:buChar char="•"/>
             </a:pPr>
-            <a:endParaRPr lang="pl-PL" sz="1800" dirty="0">
-              <a:solidFill>
-                <a:schemeClr val="bg1"/>
-              </a:solidFill>
-            </a:endParaRPr>
-          </a:p>
-          <a:p>
-            <a:pPr marL="171450" indent="-171450">
-              <a:lnSpc>
-                <a:spcPct val="150000"/>
-              </a:lnSpc>
-              <a:buFont typeface="Courier New" panose="02070309020205020404" pitchFamily="49" charset="0"/>
-              <a:buChar char="o"/>
+            <a:r>
+              <a:rPr lang="pl-PL" sz="2400" dirty="0">
+                <a:solidFill>
+                  <a:schemeClr val="bg1"/>
+                </a:solidFill>
+              </a:rPr>
+              <a:t>4,0 – 4,5: +Moduł 3, +Moduł 4</a:t>
+            </a:r>
+          </a:p>
+          <a:p>
+            <a:pPr marL="342900" indent="-342900">
+              <a:spcAft>
+                <a:spcPts val="1200"/>
+              </a:spcAft>
+              <a:buFont typeface="Arial" panose="020B0604020202020204" pitchFamily="34" charset="0"/>
+              <a:buChar char="•"/>
             </a:pPr>
             <a:r>
-              <a:rPr lang="pl-PL" sz="1800" b="1" dirty="0">
+              <a:rPr lang="pl-PL" sz="2400" dirty="0">
                 <a:solidFill>
                   <a:schemeClr val="bg1"/>
                 </a:solidFill>
               </a:rPr>
-              <a:t>Activity Manager</a:t>
-            </a:r>
-            <a:r>
-              <a:rPr lang="pl-PL" sz="1800" dirty="0">
-                <a:solidFill>
-                  <a:schemeClr val="bg1"/>
-                </a:solidFill>
-              </a:rPr>
-              <a:t> – Kontroler cyklu życia uruchomionych z aktywności</a:t>
-            </a:r>
-          </a:p>
-          <a:p>
-            <a:pPr marL="171450" indent="-171450">
-              <a:lnSpc>
-                <a:spcPct val="150000"/>
-              </a:lnSpc>
-              <a:buFont typeface="Courier New" panose="02070309020205020404" pitchFamily="49" charset="0"/>
-              <a:buChar char="o"/>
-            </a:pPr>
-            <a:r>
-              <a:rPr lang="pl-PL" sz="1800" b="1" dirty="0">
-                <a:solidFill>
-                  <a:schemeClr val="bg1"/>
-                </a:solidFill>
-              </a:rPr>
-              <a:t>Content Providers</a:t>
-            </a:r>
-            <a:r>
-              <a:rPr lang="pl-PL" sz="1800" dirty="0">
-                <a:solidFill>
-                  <a:schemeClr val="bg1"/>
-                </a:solidFill>
-              </a:rPr>
-              <a:t> – Zapewniają współdzielenie danych pomiędzy aplikacjami</a:t>
-            </a:r>
-          </a:p>
-          <a:p>
-            <a:pPr marL="171450" indent="-171450">
-              <a:lnSpc>
-                <a:spcPct val="150000"/>
-              </a:lnSpc>
-              <a:buFont typeface="Courier New" panose="02070309020205020404" pitchFamily="49" charset="0"/>
-              <a:buChar char="o"/>
-            </a:pPr>
-            <a:r>
-              <a:rPr lang="pl-PL" sz="1800" b="1" dirty="0">
-                <a:solidFill>
-                  <a:schemeClr val="bg1"/>
-                </a:solidFill>
-              </a:rPr>
-              <a:t>Resource Manager</a:t>
-            </a:r>
-            <a:r>
-              <a:rPr lang="pl-PL" sz="1800" dirty="0">
-                <a:solidFill>
-                  <a:schemeClr val="bg1"/>
-                </a:solidFill>
-              </a:rPr>
-              <a:t> – Udostępnia zasoby</a:t>
-            </a:r>
-          </a:p>
-          <a:p>
-            <a:pPr marL="171450" indent="-171450">
-              <a:lnSpc>
-                <a:spcPct val="150000"/>
-              </a:lnSpc>
-              <a:buFont typeface="Courier New" panose="02070309020205020404" pitchFamily="49" charset="0"/>
-              <a:buChar char="o"/>
-            </a:pPr>
-            <a:r>
-              <a:rPr lang="pl-PL" sz="1800" b="1" dirty="0">
-                <a:solidFill>
-                  <a:schemeClr val="bg1"/>
-                </a:solidFill>
-              </a:rPr>
-              <a:t>Notification Manager</a:t>
-            </a:r>
-            <a:r>
-              <a:rPr lang="pl-PL" sz="1800" dirty="0">
-                <a:solidFill>
-                  <a:schemeClr val="bg1"/>
-                </a:solidFill>
-              </a:rPr>
-              <a:t> – Umożliwia wyświetlenie powiadomień w telefonie</a:t>
-            </a:r>
-          </a:p>
-          <a:p>
-            <a:pPr marL="171450" indent="-171450">
-              <a:lnSpc>
-                <a:spcPct val="150000"/>
-              </a:lnSpc>
-              <a:buFont typeface="Courier New" panose="02070309020205020404" pitchFamily="49" charset="0"/>
-              <a:buChar char="o"/>
-            </a:pPr>
-            <a:r>
-              <a:rPr lang="pl-PL" sz="1800" b="1" dirty="0" err="1">
-                <a:solidFill>
-                  <a:schemeClr val="bg1"/>
-                </a:solidFill>
-              </a:rPr>
-              <a:t>Package</a:t>
-            </a:r>
-            <a:r>
-              <a:rPr lang="pl-PL" sz="1800" b="1" dirty="0">
-                <a:solidFill>
-                  <a:schemeClr val="bg1"/>
-                </a:solidFill>
-              </a:rPr>
-              <a:t> Manager</a:t>
-            </a:r>
-            <a:r>
-              <a:rPr lang="pl-PL" sz="1800" dirty="0">
-                <a:solidFill>
-                  <a:schemeClr val="bg1"/>
-                </a:solidFill>
-              </a:rPr>
-              <a:t> – Kontroluje jakie aplikacja są zainstalowane na telefonie</a:t>
-            </a:r>
-          </a:p>
-          <a:p>
-            <a:pPr marL="171450" indent="-171450">
-              <a:lnSpc>
-                <a:spcPct val="150000"/>
-              </a:lnSpc>
-              <a:buFont typeface="Courier New" panose="02070309020205020404" pitchFamily="49" charset="0"/>
-              <a:buChar char="o"/>
-            </a:pPr>
-            <a:r>
-              <a:rPr lang="pl-PL" sz="1800" b="1" dirty="0" err="1">
-                <a:solidFill>
-                  <a:schemeClr val="bg1"/>
-                </a:solidFill>
-              </a:rPr>
-              <a:t>Location</a:t>
-            </a:r>
-            <a:r>
-              <a:rPr lang="pl-PL" sz="1800" b="1" dirty="0">
-                <a:solidFill>
-                  <a:schemeClr val="bg1"/>
-                </a:solidFill>
-              </a:rPr>
-              <a:t> Manager</a:t>
-            </a:r>
-            <a:r>
-              <a:rPr lang="pl-PL" sz="1800" dirty="0">
-                <a:solidFill>
-                  <a:schemeClr val="bg1"/>
-                </a:solidFill>
-              </a:rPr>
-              <a:t> – GPS i inne</a:t>
-            </a:r>
-            <a:endParaRPr lang="pl-PL" sz="1800" b="1" dirty="0">
-              <a:solidFill>
-                <a:schemeClr val="bg1"/>
-              </a:solidFill>
-            </a:endParaRPr>
-          </a:p>
-        </p:txBody>
-      </p:sp>
-      <p:pic>
-        <p:nvPicPr>
-          <p:cNvPr id="8" name="Obraz 7">
+              <a:t>5,0: +Moduł 5</a:t>
+            </a:r>
+          </a:p>
+        </p:txBody>
+      </p:sp>
+      <p:sp>
+        <p:nvSpPr>
+          <p:cNvPr id="4" name="TextBox 1">
             <a:extLst>
               <a:ext uri="{FF2B5EF4-FFF2-40B4-BE49-F238E27FC236}">
-                <a16:creationId xmlns:a16="http://schemas.microsoft.com/office/drawing/2014/main" id="{8012304D-7656-46C4-A7E3-65625F541888}"/>
+                <a16:creationId xmlns:a16="http://schemas.microsoft.com/office/drawing/2014/main" id="{F5B56367-4566-4423-28F4-B83CBB9B3B65}"/>
               </a:ext>
             </a:extLst>
           </p:cNvPr>
-          <p:cNvPicPr>
-            <a:picLocks noChangeAspect="1"/>
-          </p:cNvPicPr>
+          <p:cNvSpPr txBox="1"/>
           <p:nvPr/>
-        </p:nvPicPr>
-        <p:blipFill>
-          <a:blip r:embed="rId5">
-            <a:extLst>
-              <a:ext uri="{28A0092B-C50C-407E-A947-70E740481C1C}">
-                <a14:useLocalDpi xmlns:a14="http://schemas.microsoft.com/office/drawing/2010/main" val="0"/>
-              </a:ext>
-            </a:extLst>
-          </a:blip>
-          <a:stretch>
-            <a:fillRect/>
-          </a:stretch>
-        </p:blipFill>
+        </p:nvSpPr>
         <p:spPr>
           <a:xfrm>
-            <a:off x="1659830" y="6000750"/>
-            <a:ext cx="6791325" cy="857250"/>
+            <a:off x="971600" y="3847356"/>
+            <a:ext cx="8172400" cy="1508105"/>
           </a:xfrm>
           <a:prstGeom prst="rect">
             <a:avLst/>
           </a:prstGeom>
+          <a:noFill/>
         </p:spPr>
-      </p:pic>
+        <p:txBody>
+          <a:bodyPr wrap="square" rtlCol="0">
+            <a:spAutoFit/>
+          </a:bodyPr>
+          <a:lstStyle/>
+          <a:p>
+            <a:pPr>
+              <a:spcAft>
+                <a:spcPts val="1200"/>
+              </a:spcAft>
+            </a:pPr>
+            <a:r>
+              <a:rPr lang="pl-PL" sz="2400" dirty="0" err="1">
+                <a:solidFill>
+                  <a:schemeClr val="bg1"/>
+                </a:solidFill>
+              </a:rPr>
+              <a:t>Treminy</a:t>
+            </a:r>
+            <a:r>
+              <a:rPr lang="pl-PL" sz="2400" dirty="0">
+                <a:solidFill>
+                  <a:schemeClr val="bg1"/>
+                </a:solidFill>
+              </a:rPr>
+              <a:t>:</a:t>
+            </a:r>
+          </a:p>
+          <a:p>
+            <a:pPr marL="342900" indent="-342900">
+              <a:spcAft>
+                <a:spcPts val="1200"/>
+              </a:spcAft>
+              <a:buFont typeface="Arial" panose="020B0604020202020204" pitchFamily="34" charset="0"/>
+              <a:buChar char="•"/>
+            </a:pPr>
+            <a:r>
+              <a:rPr lang="pl-PL" sz="2400" dirty="0">
+                <a:solidFill>
+                  <a:schemeClr val="bg1"/>
+                </a:solidFill>
+              </a:rPr>
+              <a:t>Opis: </a:t>
+            </a:r>
+            <a:r>
+              <a:rPr lang="pl-PL" sz="2400" u="sng" dirty="0">
+                <a:solidFill>
+                  <a:schemeClr val="bg1"/>
+                </a:solidFill>
+              </a:rPr>
+              <a:t>05.01.2024</a:t>
+            </a:r>
+          </a:p>
+          <a:p>
+            <a:pPr marL="342900" indent="-342900">
+              <a:spcAft>
+                <a:spcPts val="1200"/>
+              </a:spcAft>
+              <a:buFont typeface="Arial" panose="020B0604020202020204" pitchFamily="34" charset="0"/>
+              <a:buChar char="•"/>
+            </a:pPr>
+            <a:r>
+              <a:rPr lang="pl-PL" sz="2400" dirty="0">
+                <a:solidFill>
+                  <a:schemeClr val="bg1"/>
+                </a:solidFill>
+              </a:rPr>
+              <a:t>Projekt: </a:t>
+            </a:r>
+            <a:r>
+              <a:rPr lang="pl-PL" sz="2400" u="sng" dirty="0">
+                <a:solidFill>
+                  <a:schemeClr val="bg1"/>
+                </a:solidFill>
+              </a:rPr>
+              <a:t>26.01.2024</a:t>
+            </a:r>
+          </a:p>
+        </p:txBody>
+      </p:sp>
     </p:spTree>
     <p:extLst>
       <p:ext uri="{BB962C8B-B14F-4D97-AF65-F5344CB8AC3E}">
-        <p14:creationId xmlns:p14="http://schemas.microsoft.com/office/powerpoint/2010/main" val="625986286"/>
+        <p14:creationId xmlns:p14="http://schemas.microsoft.com/office/powerpoint/2010/main" val="3670955137"/>
       </p:ext>
     </p:extLst>
   </p:cSld>
@@ -5698,9 +5844,6 @@
           <a:lstStyle/>
           <a:p>
             <a:pPr marL="342900" lvl="0" indent="-342900">
-              <a:lnSpc>
-                <a:spcPct val="150000"/>
-              </a:lnSpc>
               <a:spcAft>
                 <a:spcPts val="600"/>
               </a:spcAft>
@@ -5711,26 +5854,16 @@
               </a:tabLst>
             </a:pPr>
             <a:r>
-              <a:rPr lang="pl-PL" sz="1800" b="1" kern="150" dirty="0">
-                <a:effectLst/>
+              <a:rPr lang="pl-PL" sz="1600" b="1" kern="150" dirty="0">
                 <a:latin typeface="Verdana, Verdana"/>
                 <a:ea typeface="OpenSymbol"/>
-                <a:cs typeface="Verdana, Verdana"/>
-              </a:rPr>
-              <a:t>Android Studio</a:t>
-            </a:r>
-            <a:endParaRPr lang="pl-PL" sz="1800" kern="150" dirty="0">
-              <a:effectLst/>
-              <a:latin typeface="OpenSymbol"/>
-              <a:ea typeface="OpenSymbol"/>
-              <a:cs typeface="OpenSymbol"/>
-            </a:endParaRPr>
-          </a:p>
-          <a:p>
-            <a:pPr marL="342900" lvl="0" indent="-342900">
-              <a:lnSpc>
-                <a:spcPct val="150000"/>
-              </a:lnSpc>
+                <a:cs typeface="OpenSymbol"/>
+              </a:rPr>
+              <a:t>Moduł 0 – Wstęp (Kotlin, Java)</a:t>
+            </a:r>
+          </a:p>
+          <a:p>
+            <a:pPr marL="800100" lvl="1" indent="-342900">
               <a:spcAft>
                 <a:spcPts val="600"/>
               </a:spcAft>
@@ -5741,26 +5874,16 @@
               </a:tabLst>
             </a:pPr>
             <a:r>
-              <a:rPr lang="pl-PL" sz="1800" b="1" kern="150" dirty="0">
-                <a:effectLst/>
+              <a:rPr lang="pl-PL" sz="1600" kern="150" dirty="0">
                 <a:latin typeface="Verdana, Verdana"/>
                 <a:ea typeface="OpenSymbol"/>
-                <a:cs typeface="Verdana, Verdana"/>
-              </a:rPr>
-              <a:t>Cykl życia aktywności</a:t>
-            </a:r>
-            <a:endParaRPr lang="pl-PL" sz="1800" kern="150" dirty="0">
-              <a:effectLst/>
-              <a:latin typeface="OpenSymbol"/>
-              <a:ea typeface="OpenSymbol"/>
-              <a:cs typeface="OpenSymbol"/>
-            </a:endParaRPr>
-          </a:p>
-          <a:p>
-            <a:pPr marL="342900" lvl="0" indent="-342900">
-              <a:lnSpc>
-                <a:spcPct val="150000"/>
-              </a:lnSpc>
+                <a:cs typeface="OpenSymbol"/>
+              </a:rPr>
+              <a:t>Android Studio</a:t>
+            </a:r>
+          </a:p>
+          <a:p>
+            <a:pPr marL="800100" lvl="1" indent="-342900">
               <a:spcAft>
                 <a:spcPts val="600"/>
               </a:spcAft>
@@ -5771,26 +5894,17 @@
               </a:tabLst>
             </a:pPr>
             <a:r>
-              <a:rPr lang="pl-PL" sz="1800" b="1" kern="150" dirty="0">
+              <a:rPr lang="pl-PL" sz="1600" kern="150" dirty="0">
                 <a:effectLst/>
                 <a:latin typeface="Verdana, Verdana"/>
                 <a:ea typeface="OpenSymbol"/>
-                <a:cs typeface="Verdana, Verdana"/>
-              </a:rPr>
-              <a:t>Podstawowe elementy graficzne</a:t>
-            </a:r>
-            <a:endParaRPr lang="pl-PL" sz="1800" kern="150" dirty="0">
-              <a:effectLst/>
-              <a:latin typeface="OpenSymbol"/>
-              <a:ea typeface="OpenSymbol"/>
-              <a:cs typeface="OpenSymbol"/>
-            </a:endParaRPr>
-          </a:p>
-          <a:p>
-            <a:pPr marL="342900" lvl="0" indent="-342900">
-              <a:lnSpc>
-                <a:spcPct val="150000"/>
-              </a:lnSpc>
+                <a:cs typeface="OpenSymbol"/>
+              </a:rPr>
+              <a:t>Struktura Projektu</a:t>
+            </a:r>
+          </a:p>
+          <a:p>
+            <a:pPr marL="342900" indent="-342900">
               <a:spcAft>
                 <a:spcPts val="600"/>
               </a:spcAft>
@@ -5801,26 +5915,16 @@
               </a:tabLst>
             </a:pPr>
             <a:r>
-              <a:rPr lang="pl-PL" sz="1800" b="1" kern="150" dirty="0">
-                <a:effectLst/>
+              <a:rPr lang="pl-PL" sz="1600" b="1" kern="150" dirty="0">
                 <a:latin typeface="Verdana, Verdana"/>
                 <a:ea typeface="OpenSymbol"/>
-                <a:cs typeface="Verdana, Verdana"/>
-              </a:rPr>
-              <a:t>Podstawowe elementy funkcjonalne</a:t>
-            </a:r>
-            <a:endParaRPr lang="pl-PL" sz="1800" kern="150" dirty="0">
-              <a:effectLst/>
-              <a:latin typeface="OpenSymbol"/>
-              <a:ea typeface="OpenSymbol"/>
-              <a:cs typeface="OpenSymbol"/>
-            </a:endParaRPr>
-          </a:p>
-          <a:p>
-            <a:pPr marL="342900" lvl="0" indent="-342900">
-              <a:lnSpc>
-                <a:spcPct val="150000"/>
-              </a:lnSpc>
+                <a:cs typeface="OpenSymbol"/>
+              </a:rPr>
+              <a:t>Moduł 1 – Podstawy Tworzenia Aplikacji 1 (Kotlin, Java)</a:t>
+            </a:r>
+          </a:p>
+          <a:p>
+            <a:pPr marL="800100" lvl="1" indent="-342900">
               <a:spcAft>
                 <a:spcPts val="600"/>
               </a:spcAft>
@@ -5831,26 +5935,25 @@
               </a:tabLst>
             </a:pPr>
             <a:r>
-              <a:rPr lang="pl-PL" sz="1800" b="1" kern="150" dirty="0">
+              <a:rPr lang="pl-PL" sz="1600" kern="150" dirty="0">
                 <a:effectLst/>
                 <a:latin typeface="Verdana, Verdana"/>
                 <a:ea typeface="OpenSymbol"/>
-                <a:cs typeface="Verdana, Verdana"/>
-              </a:rPr>
-              <a:t>Bazy danych</a:t>
-            </a:r>
-            <a:endParaRPr lang="pl-PL" sz="1800" kern="150" dirty="0">
-              <a:effectLst/>
-              <a:latin typeface="OpenSymbol"/>
-              <a:ea typeface="OpenSymbol"/>
-              <a:cs typeface="OpenSymbol"/>
-            </a:endParaRPr>
-          </a:p>
-          <a:p>
-            <a:pPr marL="342900" lvl="0" indent="-342900">
-              <a:lnSpc>
-                <a:spcPct val="150000"/>
-              </a:lnSpc>
+                <a:cs typeface="OpenSymbol"/>
+              </a:rPr>
+              <a:t>Fundamenty Aplikacji </a:t>
+            </a:r>
+            <a:r>
+              <a:rPr lang="pl-PL" sz="1600" kern="150" dirty="0">
+                <a:latin typeface="Verdana, Verdana"/>
+                <a:ea typeface="OpenSymbol"/>
+                <a:cs typeface="OpenSymbol"/>
+              </a:rPr>
+              <a:t>Opartej O „Widoki”</a:t>
+            </a:r>
+          </a:p>
+          <a:p>
+            <a:pPr marL="800100" lvl="1" indent="-342900">
               <a:spcAft>
                 <a:spcPts val="600"/>
               </a:spcAft>
@@ -5861,26 +5964,16 @@
               </a:tabLst>
             </a:pPr>
             <a:r>
-              <a:rPr lang="pl-PL" sz="1800" b="1" kern="150" dirty="0">
-                <a:effectLst/>
+              <a:rPr lang="pl-PL" sz="1600" kern="150" dirty="0">
                 <a:latin typeface="Verdana, Verdana"/>
                 <a:ea typeface="OpenSymbol"/>
-                <a:cs typeface="Verdana, Verdana"/>
-              </a:rPr>
-              <a:t>Fragmenty </a:t>
-            </a:r>
-            <a:endParaRPr lang="pl-PL" sz="1800" kern="150" dirty="0">
-              <a:effectLst/>
-              <a:latin typeface="OpenSymbol"/>
-              <a:ea typeface="OpenSymbol"/>
-              <a:cs typeface="OpenSymbol"/>
-            </a:endParaRPr>
-          </a:p>
-          <a:p>
-            <a:pPr marL="342900" lvl="0" indent="-342900">
-              <a:lnSpc>
-                <a:spcPct val="150000"/>
-              </a:lnSpc>
+                <a:cs typeface="OpenSymbol"/>
+              </a:rPr>
+              <a:t>Tworzenie Layoutu W Oparciu O Pliki XML</a:t>
+            </a:r>
+          </a:p>
+          <a:p>
+            <a:pPr marL="800100" lvl="1" indent="-342900">
               <a:spcAft>
                 <a:spcPts val="600"/>
               </a:spcAft>
@@ -5891,26 +5984,32 @@
               </a:tabLst>
             </a:pPr>
             <a:r>
-              <a:rPr lang="pl-PL" sz="1800" b="1" kern="150" dirty="0">
+              <a:rPr lang="pl-PL" sz="1600" kern="150" dirty="0">
                 <a:effectLst/>
                 <a:latin typeface="Verdana, Verdana"/>
                 <a:ea typeface="OpenSymbol"/>
-                <a:cs typeface="Verdana, Verdana"/>
-              </a:rPr>
-              <a:t>Wielowątkowość</a:t>
-            </a:r>
-            <a:endParaRPr lang="pl-PL" sz="1800" kern="150" dirty="0">
+                <a:cs typeface="OpenSymbol"/>
+              </a:rPr>
+              <a:t>Mechanizm </a:t>
+            </a:r>
+            <a:r>
+              <a:rPr lang="pl-PL" sz="1600" kern="150" dirty="0" err="1">
+                <a:effectLst/>
+                <a:latin typeface="Verdana, Verdana"/>
+                <a:ea typeface="OpenSymbol"/>
+                <a:cs typeface="OpenSymbol"/>
+              </a:rPr>
+              <a:t>Intent</a:t>
+            </a:r>
+            <a:endParaRPr lang="pl-PL" sz="1600" kern="150" dirty="0">
               <a:effectLst/>
-              <a:latin typeface="OpenSymbol"/>
+              <a:latin typeface="Verdana, Verdana"/>
               <a:ea typeface="OpenSymbol"/>
               <a:cs typeface="OpenSymbol"/>
             </a:endParaRPr>
           </a:p>
           <a:p>
-            <a:pPr marL="342900" lvl="0" indent="-342900">
-              <a:lnSpc>
-                <a:spcPct val="150000"/>
-              </a:lnSpc>
+            <a:pPr marL="800100" lvl="1" indent="-342900">
               <a:spcAft>
                 <a:spcPts val="600"/>
               </a:spcAft>
@@ -5921,26 +6020,16 @@
               </a:tabLst>
             </a:pPr>
             <a:r>
-              <a:rPr lang="pl-PL" sz="1800" b="1" kern="150" dirty="0">
-                <a:effectLst/>
+              <a:rPr lang="pl-PL" sz="1600" kern="150" dirty="0">
                 <a:latin typeface="Verdana, Verdana"/>
                 <a:ea typeface="OpenSymbol"/>
-                <a:cs typeface="Verdana, Verdana"/>
-              </a:rPr>
-              <a:t>Wzorce architektoniczne</a:t>
-            </a:r>
-            <a:endParaRPr lang="pl-PL" sz="1800" kern="150" dirty="0">
-              <a:effectLst/>
-              <a:latin typeface="OpenSymbol"/>
-              <a:ea typeface="OpenSymbol"/>
-              <a:cs typeface="OpenSymbol"/>
-            </a:endParaRPr>
-          </a:p>
-          <a:p>
-            <a:pPr marL="342900" lvl="0" indent="-342900">
-              <a:lnSpc>
-                <a:spcPct val="150000"/>
-              </a:lnSpc>
+                <a:cs typeface="OpenSymbol"/>
+              </a:rPr>
+              <a:t>Aktywności i Fragmenty</a:t>
+            </a:r>
+          </a:p>
+          <a:p>
+            <a:pPr marL="800100" lvl="1" indent="-342900">
               <a:spcAft>
                 <a:spcPts val="600"/>
               </a:spcAft>
@@ -5951,26 +6040,50 @@
               </a:tabLst>
             </a:pPr>
             <a:r>
-              <a:rPr lang="pl-PL" sz="1800" b="1" kern="150" dirty="0">
+              <a:rPr lang="pl-PL" sz="1600" kern="150" dirty="0">
                 <a:effectLst/>
                 <a:latin typeface="Verdana, Verdana"/>
                 <a:ea typeface="OpenSymbol"/>
-                <a:cs typeface="Verdana, Verdana"/>
-              </a:rPr>
-              <a:t>Pobieranie dane z zewnętrznych serwisów</a:t>
-            </a:r>
-            <a:endParaRPr lang="pl-PL" sz="1800" kern="150" dirty="0">
+                <a:cs typeface="OpenSymbol"/>
+              </a:rPr>
+              <a:t>Nawigacja W Aplikacji – </a:t>
+            </a:r>
+            <a:r>
+              <a:rPr lang="pl-PL" sz="1600" kern="150" dirty="0" err="1">
+                <a:effectLst/>
+                <a:latin typeface="Verdana, Verdana"/>
+                <a:ea typeface="OpenSymbol"/>
+                <a:cs typeface="OpenSymbol"/>
+              </a:rPr>
+              <a:t>Jetpack</a:t>
+            </a:r>
+            <a:r>
+              <a:rPr lang="pl-PL" sz="1600" kern="150" dirty="0">
+                <a:effectLst/>
+                <a:latin typeface="Verdana, Verdana"/>
+                <a:ea typeface="OpenSymbol"/>
+                <a:cs typeface="OpenSymbol"/>
+              </a:rPr>
+              <a:t> </a:t>
+            </a:r>
+            <a:r>
+              <a:rPr lang="pl-PL" sz="1600" kern="150" dirty="0" err="1">
+                <a:effectLst/>
+                <a:latin typeface="Verdana, Verdana"/>
+                <a:ea typeface="OpenSymbol"/>
+                <a:cs typeface="OpenSymbol"/>
+              </a:rPr>
+              <a:t>Navigation</a:t>
+            </a:r>
+            <a:endParaRPr lang="pl-PL" sz="1600" kern="150" dirty="0">
               <a:effectLst/>
-              <a:latin typeface="OpenSymbol"/>
+              <a:latin typeface="Verdana, Verdana"/>
               <a:ea typeface="OpenSymbol"/>
               <a:cs typeface="OpenSymbol"/>
             </a:endParaRPr>
           </a:p>
           <a:p>
-            <a:pPr marL="342900" lvl="0" indent="-342900">
-              <a:lnSpc>
-                <a:spcPct val="150000"/>
-              </a:lnSpc>
+            <a:pPr marL="800100" lvl="1" indent="-342900">
               <a:spcAft>
                 <a:spcPts val="600"/>
               </a:spcAft>
@@ -5981,39 +6094,355 @@
               </a:tabLst>
             </a:pPr>
             <a:r>
-              <a:rPr lang="pl-PL" sz="1800" b="1" kern="150" dirty="0">
+              <a:rPr lang="pl-PL" sz="1600" kern="150" dirty="0">
+                <a:latin typeface="Verdana, Verdana"/>
+                <a:ea typeface="OpenSymbol"/>
+                <a:cs typeface="OpenSymbol"/>
+              </a:rPr>
+              <a:t>Tworzenie List – </a:t>
+            </a:r>
+            <a:r>
+              <a:rPr lang="pl-PL" sz="1600" kern="150" dirty="0" err="1">
+                <a:latin typeface="Verdana, Verdana"/>
+                <a:ea typeface="OpenSymbol"/>
+                <a:cs typeface="OpenSymbol"/>
+              </a:rPr>
+              <a:t>RecyclerView</a:t>
+            </a:r>
+            <a:r>
+              <a:rPr lang="pl-PL" sz="1600" kern="150" dirty="0">
+                <a:latin typeface="Verdana, Verdana"/>
+                <a:ea typeface="OpenSymbol"/>
+                <a:cs typeface="OpenSymbol"/>
+              </a:rPr>
+              <a:t>, </a:t>
+            </a:r>
+            <a:r>
+              <a:rPr lang="pl-PL" sz="1600" kern="150" dirty="0" err="1">
+                <a:latin typeface="Verdana, Verdana"/>
+                <a:ea typeface="OpenSymbol"/>
+                <a:cs typeface="OpenSymbol"/>
+              </a:rPr>
+              <a:t>ViewPager</a:t>
+            </a:r>
+            <a:endParaRPr lang="pl-PL" sz="1600" kern="150" dirty="0">
+              <a:latin typeface="Verdana, Verdana"/>
+              <a:ea typeface="OpenSymbol"/>
+              <a:cs typeface="OpenSymbol"/>
+            </a:endParaRPr>
+          </a:p>
+          <a:p>
+            <a:pPr marL="342900" indent="-342900">
+              <a:spcAft>
+                <a:spcPts val="600"/>
+              </a:spcAft>
+              <a:buFont typeface="Arial" panose="020B0604020202020204" pitchFamily="34" charset="0"/>
+              <a:buChar char="•"/>
+              <a:tabLst>
+                <a:tab pos="-365760" algn="l"/>
+              </a:tabLst>
+            </a:pPr>
+            <a:r>
+              <a:rPr lang="pl-PL" sz="1600" b="1" kern="150" dirty="0">
                 <a:effectLst/>
                 <a:latin typeface="Verdana, Verdana"/>
                 <a:ea typeface="OpenSymbol"/>
-                <a:cs typeface="Verdana, Verdana"/>
-              </a:rPr>
-              <a:t>Elementy Android Jetpack </a:t>
-            </a:r>
-            <a:endParaRPr lang="pl-PL" sz="1800" kern="150" dirty="0">
+                <a:cs typeface="OpenSymbol"/>
+              </a:rPr>
+              <a:t>Moduł 2 – Podstawy Tworzenia Aplikacji 2 (Kotlin)</a:t>
+            </a:r>
+          </a:p>
+          <a:p>
+            <a:pPr marL="800100" lvl="1" indent="-342900">
+              <a:spcAft>
+                <a:spcPts val="600"/>
+              </a:spcAft>
+              <a:buFont typeface="Arial" panose="020B0604020202020204" pitchFamily="34" charset="0"/>
+              <a:buChar char="•"/>
+              <a:tabLst>
+                <a:tab pos="-365760" algn="l"/>
+              </a:tabLst>
+            </a:pPr>
+            <a:r>
+              <a:rPr lang="pl-PL" sz="1600" kern="150" dirty="0">
+                <a:latin typeface="Verdana, Verdana"/>
+                <a:ea typeface="OpenSymbol"/>
+                <a:cs typeface="OpenSymbol"/>
+              </a:rPr>
+              <a:t>Fundamenty Aplikacji Opartej O „</a:t>
+            </a:r>
+            <a:r>
+              <a:rPr lang="pl-PL" sz="1600" kern="150" dirty="0" err="1">
+                <a:latin typeface="Verdana, Verdana"/>
+                <a:ea typeface="OpenSymbol"/>
+                <a:cs typeface="OpenSymbol"/>
+              </a:rPr>
+              <a:t>Komponenety</a:t>
+            </a:r>
+            <a:r>
+              <a:rPr lang="pl-PL" sz="1600" kern="150" dirty="0">
+                <a:latin typeface="Verdana, Verdana"/>
+                <a:ea typeface="OpenSymbol"/>
+                <a:cs typeface="OpenSymbol"/>
+              </a:rPr>
+              <a:t>”</a:t>
+            </a:r>
+          </a:p>
+          <a:p>
+            <a:pPr marL="800100" lvl="1" indent="-342900">
+              <a:spcAft>
+                <a:spcPts val="600"/>
+              </a:spcAft>
+              <a:buFont typeface="Arial" panose="020B0604020202020204" pitchFamily="34" charset="0"/>
+              <a:buChar char="•"/>
+              <a:tabLst>
+                <a:tab pos="-365760" algn="l"/>
+              </a:tabLst>
+            </a:pPr>
+            <a:r>
+              <a:rPr lang="pl-PL" sz="1600" kern="150" dirty="0">
+                <a:effectLst/>
+                <a:latin typeface="Verdana, Verdana"/>
+                <a:ea typeface="OpenSymbol"/>
+                <a:cs typeface="OpenSymbol"/>
+              </a:rPr>
+              <a:t>Podstawy Biblioteki </a:t>
+            </a:r>
+            <a:r>
+              <a:rPr lang="pl-PL" sz="1600" kern="150" dirty="0" err="1">
+                <a:effectLst/>
+                <a:latin typeface="Verdana, Verdana"/>
+                <a:ea typeface="OpenSymbol"/>
+                <a:cs typeface="OpenSymbol"/>
+              </a:rPr>
+              <a:t>Jetpack</a:t>
+            </a:r>
+            <a:r>
+              <a:rPr lang="pl-PL" sz="1600" kern="150" dirty="0">
+                <a:effectLst/>
+                <a:latin typeface="Verdana, Verdana"/>
+                <a:ea typeface="OpenSymbol"/>
+                <a:cs typeface="OpenSymbol"/>
+              </a:rPr>
+              <a:t> </a:t>
+            </a:r>
+            <a:r>
+              <a:rPr lang="pl-PL" sz="1600" kern="150" dirty="0" err="1">
+                <a:effectLst/>
+                <a:latin typeface="Verdana, Verdana"/>
+                <a:ea typeface="OpenSymbol"/>
+                <a:cs typeface="OpenSymbol"/>
+              </a:rPr>
+              <a:t>Compose</a:t>
+            </a:r>
+            <a:endParaRPr lang="pl-PL" sz="1600" kern="150" dirty="0">
               <a:effectLst/>
-              <a:latin typeface="OpenSymbol"/>
+              <a:latin typeface="Verdana, Verdana"/>
               <a:ea typeface="OpenSymbol"/>
               <a:cs typeface="OpenSymbol"/>
             </a:endParaRPr>
           </a:p>
           <a:p>
-            <a:pPr marL="285750" indent="-285750">
-              <a:lnSpc>
-                <a:spcPct val="150000"/>
-              </a:lnSpc>
+            <a:pPr marL="800100" lvl="1" indent="-342900">
+              <a:spcAft>
+                <a:spcPts val="600"/>
+              </a:spcAft>
               <a:buFont typeface="Arial" panose="020B0604020202020204" pitchFamily="34" charset="0"/>
               <a:buChar char="•"/>
+              <a:tabLst>
+                <a:tab pos="-365760" algn="l"/>
+              </a:tabLst>
             </a:pPr>
             <a:r>
-              <a:rPr lang="en-US" sz="1800" b="1" dirty="0">
+              <a:rPr lang="pl-PL" sz="1600" kern="150" dirty="0" err="1">
+                <a:latin typeface="Verdana, Verdana"/>
+                <a:ea typeface="OpenSymbol"/>
+                <a:cs typeface="OpenSymbol"/>
+              </a:rPr>
+              <a:t>Rekompozycja</a:t>
+            </a:r>
+            <a:endParaRPr lang="pl-PL" sz="1600" kern="150" dirty="0">
+              <a:effectLst/>
+              <a:latin typeface="Verdana, Verdana"/>
+              <a:ea typeface="OpenSymbol"/>
+              <a:cs typeface="OpenSymbol"/>
+            </a:endParaRPr>
+          </a:p>
+          <a:p>
+            <a:pPr marL="800100" lvl="1" indent="-342900">
+              <a:spcAft>
+                <a:spcPts val="600"/>
+              </a:spcAft>
+              <a:buFont typeface="Arial" panose="020B0604020202020204" pitchFamily="34" charset="0"/>
+              <a:buChar char="•"/>
+              <a:tabLst>
+                <a:tab pos="-365760" algn="l"/>
+              </a:tabLst>
+            </a:pPr>
+            <a:r>
+              <a:rPr lang="pl-PL" sz="1600" kern="150" dirty="0">
+                <a:latin typeface="Verdana, Verdana"/>
+                <a:ea typeface="OpenSymbol"/>
+                <a:cs typeface="OpenSymbol"/>
+              </a:rPr>
+              <a:t>Funkcje @Composable</a:t>
+            </a:r>
+          </a:p>
+          <a:p>
+            <a:pPr marL="800100" lvl="1" indent="-342900">
+              <a:spcAft>
+                <a:spcPts val="600"/>
+              </a:spcAft>
+              <a:buFont typeface="Arial" panose="020B0604020202020204" pitchFamily="34" charset="0"/>
+              <a:buChar char="•"/>
+              <a:tabLst>
+                <a:tab pos="-365760" algn="l"/>
+              </a:tabLst>
+            </a:pPr>
+            <a:r>
+              <a:rPr lang="pl-PL" sz="1600" kern="150" dirty="0">
                 <a:effectLst/>
                 <a:latin typeface="Verdana, Verdana"/>
-                <a:ea typeface="Droid Sans Fallback"/>
-                <a:cs typeface="Verdana, Verdana"/>
-              </a:rPr>
-              <a:t>Wstrzykiwanie zależności</a:t>
-            </a:r>
-            <a:endParaRPr lang="pl-PL" dirty="0"/>
+                <a:ea typeface="OpenSymbol"/>
+                <a:cs typeface="OpenSymbol"/>
+              </a:rPr>
+              <a:t>Nawigacja W Aplikacji – </a:t>
+            </a:r>
+            <a:r>
+              <a:rPr lang="pl-PL" sz="1600" kern="150" dirty="0" err="1">
+                <a:effectLst/>
+                <a:latin typeface="Verdana, Verdana"/>
+                <a:ea typeface="OpenSymbol"/>
+                <a:cs typeface="OpenSymbol"/>
+              </a:rPr>
+              <a:t>Compose</a:t>
+            </a:r>
+            <a:r>
+              <a:rPr lang="pl-PL" sz="1600" kern="150" dirty="0">
+                <a:effectLst/>
+                <a:latin typeface="Verdana, Verdana"/>
+                <a:ea typeface="OpenSymbol"/>
+                <a:cs typeface="OpenSymbol"/>
+              </a:rPr>
+              <a:t> </a:t>
+            </a:r>
+            <a:r>
+              <a:rPr lang="pl-PL" sz="1600" kern="150" dirty="0" err="1">
+                <a:effectLst/>
+                <a:latin typeface="Verdana, Verdana"/>
+                <a:ea typeface="OpenSymbol"/>
+                <a:cs typeface="OpenSymbol"/>
+              </a:rPr>
+              <a:t>Navigation</a:t>
+            </a:r>
+            <a:endParaRPr lang="pl-PL" sz="1600" kern="150" dirty="0">
+              <a:effectLst/>
+              <a:latin typeface="Verdana, Verdana"/>
+              <a:ea typeface="OpenSymbol"/>
+              <a:cs typeface="OpenSymbol"/>
+            </a:endParaRPr>
+          </a:p>
+          <a:p>
+            <a:pPr marL="800100" lvl="1" indent="-342900">
+              <a:spcAft>
+                <a:spcPts val="600"/>
+              </a:spcAft>
+              <a:buFont typeface="Arial" panose="020B0604020202020204" pitchFamily="34" charset="0"/>
+              <a:buChar char="•"/>
+              <a:tabLst>
+                <a:tab pos="-365760" algn="l"/>
+              </a:tabLst>
+            </a:pPr>
+            <a:r>
+              <a:rPr lang="pl-PL" sz="1600" kern="150" dirty="0">
+                <a:latin typeface="Verdana, Verdana"/>
+                <a:ea typeface="OpenSymbol"/>
+                <a:cs typeface="OpenSymbol"/>
+              </a:rPr>
+              <a:t>Tworzenie List – </a:t>
+            </a:r>
+            <a:r>
+              <a:rPr lang="pl-PL" sz="1600" kern="150" dirty="0" err="1">
+                <a:latin typeface="Verdana, Verdana"/>
+                <a:ea typeface="OpenSymbol"/>
+                <a:cs typeface="OpenSymbol"/>
+              </a:rPr>
+              <a:t>LazyColumn</a:t>
+            </a:r>
+            <a:r>
+              <a:rPr lang="pl-PL" sz="1600" kern="150" dirty="0">
+                <a:latin typeface="Verdana, Verdana"/>
+                <a:ea typeface="OpenSymbol"/>
+                <a:cs typeface="OpenSymbol"/>
+              </a:rPr>
+              <a:t>, </a:t>
+            </a:r>
+            <a:r>
+              <a:rPr lang="pl-PL" sz="1600" kern="150" dirty="0" err="1">
+                <a:latin typeface="Verdana, Verdana"/>
+                <a:ea typeface="OpenSymbol"/>
+                <a:cs typeface="OpenSymbol"/>
+              </a:rPr>
+              <a:t>Column</a:t>
+            </a:r>
+            <a:r>
+              <a:rPr lang="pl-PL" sz="1600" kern="150" dirty="0">
+                <a:latin typeface="Verdana, Verdana"/>
+                <a:ea typeface="OpenSymbol"/>
+                <a:cs typeface="OpenSymbol"/>
+              </a:rPr>
+              <a:t>, </a:t>
+            </a:r>
+            <a:r>
+              <a:rPr lang="pl-PL" sz="1600" kern="150" dirty="0" err="1">
+                <a:latin typeface="Verdana, Verdana"/>
+                <a:ea typeface="OpenSymbol"/>
+                <a:cs typeface="OpenSymbol"/>
+              </a:rPr>
+              <a:t>LazyRow</a:t>
+            </a:r>
+            <a:r>
+              <a:rPr lang="pl-PL" sz="1600" kern="150" dirty="0">
+                <a:latin typeface="Verdana, Verdana"/>
+                <a:ea typeface="OpenSymbol"/>
+                <a:cs typeface="OpenSymbol"/>
+              </a:rPr>
+              <a:t>, </a:t>
+            </a:r>
+            <a:r>
+              <a:rPr lang="pl-PL" sz="1600" kern="150" dirty="0" err="1">
+                <a:latin typeface="Verdana, Verdana"/>
+                <a:ea typeface="OpenSymbol"/>
+                <a:cs typeface="OpenSymbol"/>
+              </a:rPr>
+              <a:t>Row</a:t>
+            </a:r>
+            <a:endParaRPr lang="pl-PL" sz="1600" kern="150" dirty="0">
+              <a:latin typeface="Verdana, Verdana"/>
+              <a:ea typeface="OpenSymbol"/>
+              <a:cs typeface="OpenSymbol"/>
+            </a:endParaRPr>
+          </a:p>
+          <a:p>
+            <a:pPr marL="800100" lvl="1" indent="-342900">
+              <a:spcAft>
+                <a:spcPts val="600"/>
+              </a:spcAft>
+              <a:buFont typeface="Arial" panose="020B0604020202020204" pitchFamily="34" charset="0"/>
+              <a:buChar char="•"/>
+              <a:tabLst>
+                <a:tab pos="-365760" algn="l"/>
+              </a:tabLst>
+            </a:pPr>
+            <a:r>
+              <a:rPr lang="pl-PL" sz="1600" kern="150" dirty="0">
+                <a:effectLst/>
+                <a:latin typeface="Verdana, Verdana"/>
+                <a:ea typeface="OpenSymbol"/>
+                <a:cs typeface="OpenSymbol"/>
+              </a:rPr>
+              <a:t>Stan W Aplikacji</a:t>
+            </a:r>
           </a:p>
         </p:txBody>
       </p:sp>
@@ -6090,7 +6519,7 @@
                 <a:ea typeface="Verdana" panose="020B0604030504040204" pitchFamily="34" charset="0"/>
                 <a:cs typeface="Verdana" panose="020B0604030504040204" pitchFamily="34" charset="0"/>
               </a:rPr>
-              <a:t>ZASADY ZALICZENIA</a:t>
+              <a:t>PODSTAWOWE INFORMACJE</a:t>
             </a:r>
           </a:p>
         </p:txBody>
@@ -6140,141 +6569,606 @@
           <a:bodyPr rtlCol="0" anchor="ctr"/>
           <a:lstStyle/>
           <a:p>
-            <a:pPr algn="ctr"/>
-            <a:endParaRPr lang="pl-PL"/>
-          </a:p>
-        </p:txBody>
-      </p:sp>
-      <p:sp>
-        <p:nvSpPr>
-          <p:cNvPr id="5" name="TextBox 1">
-            <a:extLst>
-              <a:ext uri="{FF2B5EF4-FFF2-40B4-BE49-F238E27FC236}">
-                <a16:creationId xmlns:a16="http://schemas.microsoft.com/office/drawing/2014/main" id="{5286C2FE-3D37-42C9-AFA2-106F80EDBDEA}"/>
-              </a:ext>
-            </a:extLst>
-          </p:cNvPr>
-          <p:cNvSpPr txBox="1"/>
-          <p:nvPr/>
-        </p:nvSpPr>
-        <p:spPr>
-          <a:xfrm>
-            <a:off x="975817" y="836712"/>
-            <a:ext cx="8172400" cy="3785652"/>
-          </a:xfrm>
-          <a:prstGeom prst="rect">
-            <a:avLst/>
-          </a:prstGeom>
-          <a:noFill/>
-        </p:spPr>
-        <p:txBody>
-          <a:bodyPr wrap="square" rtlCol="0">
-            <a:spAutoFit/>
-          </a:bodyPr>
-          <a:lstStyle/>
-          <a:p>
-            <a:r>
-              <a:rPr lang="pl-PL" sz="2400" dirty="0">
-                <a:solidFill>
-                  <a:schemeClr val="bg1"/>
-                </a:solidFill>
-              </a:rPr>
-              <a:t>Wykład:</a:t>
+            <a:pPr marL="342900" lvl="0" indent="-342900">
+              <a:spcAft>
+                <a:spcPts val="600"/>
+              </a:spcAft>
+              <a:buFont typeface="Arial" panose="020B0604020202020204" pitchFamily="34" charset="0"/>
+              <a:buChar char="•"/>
+              <a:tabLst>
+                <a:tab pos="-365760" algn="l"/>
+              </a:tabLst>
+            </a:pPr>
+            <a:r>
+              <a:rPr lang="pl-PL" sz="1600" b="1" kern="150" dirty="0">
+                <a:latin typeface="Verdana, Verdana"/>
+                <a:ea typeface="OpenSymbol"/>
+                <a:cs typeface="OpenSymbol"/>
+              </a:rPr>
+              <a:t>Moduł 3 – Architektura Aplikacji (Kotlin, Java)</a:t>
             </a:r>
           </a:p>
           <a:p>
             <a:pPr marL="800100" lvl="1" indent="-342900">
-              <a:buFont typeface="Courier New" panose="02070309020205020404" pitchFamily="49" charset="0"/>
-              <a:buChar char="o"/>
+              <a:spcAft>
+                <a:spcPts val="600"/>
+              </a:spcAft>
+              <a:buFont typeface="Arial" panose="020B0604020202020204" pitchFamily="34" charset="0"/>
+              <a:buChar char="•"/>
+              <a:tabLst>
+                <a:tab pos="-365760" algn="l"/>
+              </a:tabLst>
             </a:pPr>
             <a:r>
-              <a:rPr lang="pl-PL" sz="2400" dirty="0">
-                <a:solidFill>
-                  <a:schemeClr val="bg1"/>
-                </a:solidFill>
-              </a:rPr>
-              <a:t>Wykonanie projektu</a:t>
-            </a:r>
+              <a:rPr lang="pl-PL" sz="1600" kern="150" dirty="0">
+                <a:latin typeface="Verdana, Verdana"/>
+                <a:ea typeface="OpenSymbol"/>
+                <a:cs typeface="OpenSymbol"/>
+              </a:rPr>
+              <a:t>Wstęp do wzorca MVVM – Model-</a:t>
+            </a:r>
+            <a:r>
+              <a:rPr lang="pl-PL" sz="1600" kern="150" dirty="0" err="1">
+                <a:latin typeface="Verdana, Verdana"/>
+                <a:ea typeface="OpenSymbol"/>
+                <a:cs typeface="OpenSymbol"/>
+              </a:rPr>
+              <a:t>View</a:t>
+            </a:r>
+            <a:r>
+              <a:rPr lang="pl-PL" sz="1600" kern="150" dirty="0">
+                <a:latin typeface="Verdana, Verdana"/>
+                <a:ea typeface="OpenSymbol"/>
+                <a:cs typeface="OpenSymbol"/>
+              </a:rPr>
+              <a:t>-</a:t>
+            </a:r>
+            <a:r>
+              <a:rPr lang="pl-PL" sz="1600" kern="150" dirty="0" err="1">
+                <a:latin typeface="Verdana, Verdana"/>
+                <a:ea typeface="OpenSymbol"/>
+                <a:cs typeface="OpenSymbol"/>
+              </a:rPr>
+              <a:t>ViewModel</a:t>
+            </a:r>
+            <a:endParaRPr lang="pl-PL" sz="1600" kern="150" dirty="0">
+              <a:latin typeface="Verdana, Verdana"/>
+              <a:ea typeface="OpenSymbol"/>
+              <a:cs typeface="OpenSymbol"/>
+            </a:endParaRPr>
           </a:p>
           <a:p>
             <a:pPr marL="800100" lvl="1" indent="-342900">
-              <a:buFont typeface="Courier New" panose="02070309020205020404" pitchFamily="49" charset="0"/>
-              <a:buChar char="o"/>
+              <a:spcAft>
+                <a:spcPts val="600"/>
+              </a:spcAft>
+              <a:buFont typeface="Arial" panose="020B0604020202020204" pitchFamily="34" charset="0"/>
+              <a:buChar char="•"/>
+              <a:tabLst>
+                <a:tab pos="-365760" algn="l"/>
+              </a:tabLst>
             </a:pPr>
             <a:r>
-              <a:rPr lang="pl-PL" sz="2400" dirty="0">
-                <a:solidFill>
-                  <a:schemeClr val="bg1"/>
-                </a:solidFill>
-              </a:rPr>
-              <a:t>Małe projekty </a:t>
+              <a:rPr lang="pl-PL" sz="1600" kern="150" dirty="0">
+                <a:effectLst/>
+                <a:latin typeface="Verdana, Verdana"/>
+                <a:ea typeface="OpenSymbol"/>
+                <a:cs typeface="OpenSymbol"/>
+              </a:rPr>
+              <a:t>Strumienie Danych – </a:t>
+            </a:r>
+            <a:r>
+              <a:rPr lang="pl-PL" sz="1600" kern="150" dirty="0" err="1">
+                <a:effectLst/>
+                <a:latin typeface="Verdana, Verdana"/>
+                <a:ea typeface="OpenSymbol"/>
+                <a:cs typeface="OpenSymbol"/>
+              </a:rPr>
+              <a:t>LiveData</a:t>
+            </a:r>
+            <a:r>
+              <a:rPr lang="pl-PL" sz="1600" kern="150" dirty="0">
+                <a:effectLst/>
+                <a:latin typeface="Verdana, Verdana"/>
+                <a:ea typeface="OpenSymbol"/>
+                <a:cs typeface="OpenSymbol"/>
+              </a:rPr>
+              <a:t>, </a:t>
+            </a:r>
+            <a:r>
+              <a:rPr lang="pl-PL" sz="1600" kern="150" dirty="0" err="1">
+                <a:effectLst/>
+                <a:latin typeface="Verdana, Verdana"/>
+                <a:ea typeface="OpenSymbol"/>
+                <a:cs typeface="OpenSymbol"/>
+              </a:rPr>
+              <a:t>Flow</a:t>
+            </a:r>
+            <a:r>
+              <a:rPr lang="pl-PL" sz="1600" kern="150" dirty="0">
+                <a:effectLst/>
+                <a:latin typeface="Verdana, Verdana"/>
+                <a:ea typeface="OpenSymbol"/>
+                <a:cs typeface="OpenSymbol"/>
+              </a:rPr>
+              <a:t>, </a:t>
+            </a:r>
+            <a:r>
+              <a:rPr lang="pl-PL" sz="1600" kern="150" dirty="0" err="1">
+                <a:effectLst/>
+                <a:latin typeface="Verdana, Verdana"/>
+                <a:ea typeface="OpenSymbol"/>
+                <a:cs typeface="OpenSymbol"/>
+              </a:rPr>
+              <a:t>StateFlow</a:t>
+            </a:r>
+            <a:r>
+              <a:rPr lang="pl-PL" sz="1600" kern="150" dirty="0">
+                <a:effectLst/>
+                <a:latin typeface="Verdana, Verdana"/>
+                <a:ea typeface="OpenSymbol"/>
+                <a:cs typeface="OpenSymbol"/>
+              </a:rPr>
+              <a:t>, </a:t>
+            </a:r>
+            <a:r>
+              <a:rPr lang="pl-PL" sz="1600" kern="150" dirty="0" err="1">
+                <a:effectLst/>
+                <a:latin typeface="Verdana, Verdana"/>
+                <a:ea typeface="OpenSymbol"/>
+                <a:cs typeface="OpenSymbol"/>
+              </a:rPr>
+              <a:t>SharedFlow</a:t>
+            </a:r>
+            <a:r>
+              <a:rPr lang="pl-PL" sz="1600" kern="150" dirty="0">
+                <a:effectLst/>
+                <a:latin typeface="Verdana, Verdana"/>
+                <a:ea typeface="OpenSymbol"/>
+                <a:cs typeface="OpenSymbol"/>
+              </a:rPr>
+              <a:t>, </a:t>
             </a:r>
           </a:p>
           <a:p>
             <a:pPr marL="800100" lvl="1" indent="-342900">
-              <a:lnSpc>
-                <a:spcPct val="150000"/>
-              </a:lnSpc>
-              <a:buFont typeface="Courier New" panose="02070309020205020404" pitchFamily="49" charset="0"/>
-              <a:buChar char="o"/>
+              <a:spcAft>
+                <a:spcPts val="600"/>
+              </a:spcAft>
+              <a:buFont typeface="Arial" panose="020B0604020202020204" pitchFamily="34" charset="0"/>
+              <a:buChar char="•"/>
+              <a:tabLst>
+                <a:tab pos="-365760" algn="l"/>
+              </a:tabLst>
             </a:pPr>
             <a:r>
-              <a:rPr lang="pl-PL" sz="2400" dirty="0">
-                <a:solidFill>
-                  <a:schemeClr val="bg1"/>
-                </a:solidFill>
-              </a:rPr>
-              <a:t>Do projektu powinna zostać dołączona dokumentacja:</a:t>
-            </a:r>
-          </a:p>
-          <a:p>
-            <a:pPr marL="1257300" lvl="2" indent="-342900">
-              <a:buFont typeface="Courier New" panose="02070309020205020404" pitchFamily="49" charset="0"/>
-              <a:buChar char="o"/>
+              <a:rPr lang="pl-PL" sz="1600" kern="150" dirty="0">
+                <a:effectLst/>
+                <a:latin typeface="Verdana, Verdana"/>
+                <a:ea typeface="OpenSymbol"/>
+                <a:cs typeface="OpenSymbol"/>
+              </a:rPr>
+              <a:t>Stan W Aplikacji – </a:t>
+            </a:r>
+            <a:r>
+              <a:rPr lang="pl-PL" sz="1600" kern="150" dirty="0" err="1">
+                <a:effectLst/>
+                <a:latin typeface="Verdana, Verdana"/>
+                <a:ea typeface="OpenSymbol"/>
+                <a:cs typeface="OpenSymbol"/>
+              </a:rPr>
+              <a:t>ComposeState</a:t>
+            </a:r>
+            <a:endParaRPr lang="pl-PL" sz="1600" kern="150" dirty="0">
+              <a:effectLst/>
+              <a:latin typeface="Verdana, Verdana"/>
+              <a:ea typeface="OpenSymbol"/>
+              <a:cs typeface="OpenSymbol"/>
+            </a:endParaRPr>
+          </a:p>
+          <a:p>
+            <a:pPr marL="800100" lvl="1" indent="-342900">
+              <a:spcAft>
+                <a:spcPts val="600"/>
+              </a:spcAft>
+              <a:buFont typeface="Arial" panose="020B0604020202020204" pitchFamily="34" charset="0"/>
+              <a:buChar char="•"/>
+              <a:tabLst>
+                <a:tab pos="-365760" algn="l"/>
+              </a:tabLst>
             </a:pPr>
             <a:r>
-              <a:rPr lang="pl-PL" sz="2400" dirty="0">
-                <a:solidFill>
-                  <a:schemeClr val="bg1"/>
-                </a:solidFill>
-              </a:rPr>
-              <a:t>Cel i opis projektu</a:t>
-            </a:r>
-          </a:p>
-          <a:p>
-            <a:pPr marL="1257300" lvl="2" indent="-342900">
-              <a:buFont typeface="Courier New" panose="02070309020205020404" pitchFamily="49" charset="0"/>
-              <a:buChar char="o"/>
+              <a:rPr lang="pl-PL" sz="1600" kern="150" dirty="0">
+                <a:latin typeface="Verdana, Verdana"/>
+                <a:ea typeface="OpenSymbol"/>
+                <a:cs typeface="OpenSymbol"/>
+              </a:rPr>
+              <a:t>Wzorzec Repozytorium</a:t>
+            </a:r>
+          </a:p>
+          <a:p>
+            <a:pPr marL="800100" lvl="1" indent="-342900">
+              <a:spcAft>
+                <a:spcPts val="600"/>
+              </a:spcAft>
+              <a:buFont typeface="Arial" panose="020B0604020202020204" pitchFamily="34" charset="0"/>
+              <a:buChar char="•"/>
+              <a:tabLst>
+                <a:tab pos="-365760" algn="l"/>
+              </a:tabLst>
             </a:pPr>
             <a:r>
-              <a:rPr lang="pl-PL" sz="2400" dirty="0">
-                <a:solidFill>
-                  <a:schemeClr val="bg1"/>
-                </a:solidFill>
-              </a:rPr>
-              <a:t>Lista funkcjonalności</a:t>
-            </a:r>
+              <a:rPr lang="pl-PL" sz="1600" kern="150" dirty="0">
+                <a:latin typeface="Verdana, Verdana"/>
+                <a:ea typeface="OpenSymbol"/>
+                <a:cs typeface="OpenSymbol"/>
+              </a:rPr>
+              <a:t>Lokalne Przechowywanie Danych 1 – </a:t>
+            </a:r>
+            <a:r>
+              <a:rPr lang="pl-PL" sz="1600" kern="150" dirty="0" err="1">
+                <a:latin typeface="Verdana, Verdana"/>
+                <a:ea typeface="OpenSymbol"/>
+                <a:cs typeface="OpenSymbol"/>
+              </a:rPr>
+              <a:t>SharedPreferences</a:t>
+            </a:r>
+            <a:r>
+              <a:rPr lang="pl-PL" sz="1600" kern="150" dirty="0">
+                <a:latin typeface="Verdana, Verdana"/>
+                <a:ea typeface="OpenSymbol"/>
+                <a:cs typeface="OpenSymbol"/>
+              </a:rPr>
+              <a:t>, </a:t>
+            </a:r>
+            <a:r>
+              <a:rPr lang="pl-PL" sz="1600" kern="150" dirty="0" err="1">
+                <a:latin typeface="Verdana, Verdana"/>
+                <a:ea typeface="OpenSymbol"/>
+                <a:cs typeface="OpenSymbol"/>
+              </a:rPr>
+              <a:t>DataStore</a:t>
+            </a:r>
+            <a:endParaRPr lang="pl-PL" sz="1600" kern="150" dirty="0">
+              <a:latin typeface="Verdana, Verdana"/>
+              <a:ea typeface="OpenSymbol"/>
+              <a:cs typeface="OpenSymbol"/>
+            </a:endParaRPr>
           </a:p>
           <a:p>
             <a:pPr marL="800100" lvl="1" indent="-342900">
-              <a:buFont typeface="Courier New" panose="02070309020205020404" pitchFamily="49" charset="0"/>
-              <a:buChar char="o"/>
+              <a:spcAft>
+                <a:spcPts val="600"/>
+              </a:spcAft>
+              <a:buFont typeface="Arial" panose="020B0604020202020204" pitchFamily="34" charset="0"/>
+              <a:buChar char="•"/>
+              <a:tabLst>
+                <a:tab pos="-365760" algn="l"/>
+              </a:tabLst>
             </a:pPr>
             <a:r>
-              <a:rPr lang="pl-PL" sz="2400" dirty="0">
-                <a:solidFill>
-                  <a:schemeClr val="bg1"/>
-                </a:solidFill>
-              </a:rPr>
-              <a:t>Każdy projekt musi zostać zatwierdzony przez prowadzącego przed wykonaniem</a:t>
-            </a:r>
+              <a:rPr lang="pl-PL" sz="1600" kern="150" dirty="0">
+                <a:effectLst/>
+                <a:latin typeface="Verdana, Verdana"/>
+                <a:ea typeface="OpenSymbol"/>
+                <a:cs typeface="OpenSymbol"/>
+              </a:rPr>
+              <a:t>Lokalne Przechowywanie Danych 2 – Baza Danych ROOM</a:t>
+            </a:r>
+          </a:p>
+          <a:p>
+            <a:pPr lvl="1">
+              <a:spcAft>
+                <a:spcPts val="600"/>
+              </a:spcAft>
+              <a:tabLst>
+                <a:tab pos="-365760" algn="l"/>
+              </a:tabLst>
+            </a:pPr>
+            <a:endParaRPr lang="pl-PL" sz="1600" kern="150" dirty="0">
+              <a:effectLst/>
+              <a:latin typeface="Verdana, Verdana"/>
+              <a:ea typeface="OpenSymbol"/>
+              <a:cs typeface="OpenSymbol"/>
+            </a:endParaRPr>
+          </a:p>
+          <a:p>
+            <a:pPr marL="342900" indent="-342900">
+              <a:spcAft>
+                <a:spcPts val="600"/>
+              </a:spcAft>
+              <a:buFont typeface="Arial" panose="020B0604020202020204" pitchFamily="34" charset="0"/>
+              <a:buChar char="•"/>
+              <a:tabLst>
+                <a:tab pos="-365760" algn="l"/>
+              </a:tabLst>
+            </a:pPr>
+            <a:r>
+              <a:rPr lang="pl-PL" sz="1600" b="1" kern="150" dirty="0">
+                <a:latin typeface="Verdana, Verdana"/>
+                <a:ea typeface="OpenSymbol"/>
+                <a:cs typeface="OpenSymbol"/>
+              </a:rPr>
+              <a:t>Moduł 4 – Praca Z Zewnętrznymi Źródłami Danych (Kotlin, Java)</a:t>
+            </a:r>
+          </a:p>
+          <a:p>
+            <a:pPr marL="800100" lvl="1" indent="-342900">
+              <a:spcAft>
+                <a:spcPts val="600"/>
+              </a:spcAft>
+              <a:buFont typeface="Arial" panose="020B0604020202020204" pitchFamily="34" charset="0"/>
+              <a:buChar char="•"/>
+              <a:tabLst>
+                <a:tab pos="-365760" algn="l"/>
+              </a:tabLst>
+            </a:pPr>
+            <a:r>
+              <a:rPr lang="pl-PL" sz="1600" kern="150" dirty="0">
+                <a:latin typeface="Verdana, Verdana"/>
+                <a:ea typeface="OpenSymbol"/>
+                <a:cs typeface="OpenSymbol"/>
+              </a:rPr>
+              <a:t>Pobieranie Danych Z Zewnętrznych Serwisów – Biblioteka Retrofit2</a:t>
+            </a:r>
+          </a:p>
+          <a:p>
+            <a:pPr marL="800100" lvl="1" indent="-342900">
+              <a:spcAft>
+                <a:spcPts val="600"/>
+              </a:spcAft>
+              <a:buFont typeface="Arial" panose="020B0604020202020204" pitchFamily="34" charset="0"/>
+              <a:buChar char="•"/>
+              <a:tabLst>
+                <a:tab pos="-365760" algn="l"/>
+              </a:tabLst>
+            </a:pPr>
+            <a:r>
+              <a:rPr lang="pl-PL" sz="1600" kern="150" dirty="0">
+                <a:latin typeface="Verdana, Verdana"/>
+                <a:ea typeface="OpenSymbol"/>
+                <a:cs typeface="OpenSymbol"/>
+              </a:rPr>
+              <a:t>Format JSON, Konwertery GSON, </a:t>
+            </a:r>
+            <a:r>
+              <a:rPr lang="pl-PL" sz="1600" kern="150" dirty="0" err="1">
+                <a:latin typeface="Verdana, Verdana"/>
+                <a:ea typeface="OpenSymbol"/>
+                <a:cs typeface="OpenSymbol"/>
+              </a:rPr>
+              <a:t>Moshi</a:t>
+            </a:r>
+            <a:r>
+              <a:rPr lang="pl-PL" sz="1600" kern="150" dirty="0">
+                <a:latin typeface="Verdana, Verdana"/>
+                <a:ea typeface="OpenSymbol"/>
+                <a:cs typeface="OpenSymbol"/>
+              </a:rPr>
+              <a:t>, Jackson …</a:t>
+            </a:r>
+          </a:p>
+          <a:p>
+            <a:pPr marL="800100" lvl="1" indent="-342900">
+              <a:spcAft>
+                <a:spcPts val="600"/>
+              </a:spcAft>
+              <a:buFont typeface="Arial" panose="020B0604020202020204" pitchFamily="34" charset="0"/>
+              <a:buChar char="•"/>
+              <a:tabLst>
+                <a:tab pos="-365760" algn="l"/>
+              </a:tabLst>
+            </a:pPr>
+            <a:r>
+              <a:rPr lang="pl-PL" sz="1600" kern="150" dirty="0">
+                <a:effectLst/>
+                <a:latin typeface="Verdana, Verdana"/>
+                <a:ea typeface="OpenSymbol"/>
+                <a:cs typeface="OpenSymbol"/>
+              </a:rPr>
+              <a:t>Wzorzec </a:t>
+            </a:r>
+            <a:r>
+              <a:rPr lang="pl-PL" sz="1600" kern="150" dirty="0" err="1">
+                <a:effectLst/>
+                <a:latin typeface="Verdana, Verdana"/>
+                <a:ea typeface="OpenSymbol"/>
+                <a:cs typeface="OpenSymbol"/>
+              </a:rPr>
+              <a:t>ResourceBound</a:t>
+            </a:r>
+            <a:endParaRPr lang="pl-PL" sz="1600" kern="150" dirty="0">
+              <a:effectLst/>
+              <a:latin typeface="Verdana, Verdana"/>
+              <a:ea typeface="OpenSymbol"/>
+              <a:cs typeface="OpenSymbol"/>
+            </a:endParaRPr>
+          </a:p>
+          <a:p>
+            <a:pPr marL="800100" lvl="1" indent="-342900">
+              <a:spcAft>
+                <a:spcPts val="600"/>
+              </a:spcAft>
+              <a:buFont typeface="Arial" panose="020B0604020202020204" pitchFamily="34" charset="0"/>
+              <a:buChar char="•"/>
+              <a:tabLst>
+                <a:tab pos="-365760" algn="l"/>
+              </a:tabLst>
+            </a:pPr>
+            <a:r>
+              <a:rPr lang="pl-PL" sz="1600" kern="150" dirty="0">
+                <a:latin typeface="Verdana, Verdana"/>
+                <a:ea typeface="OpenSymbol"/>
+                <a:cs typeface="OpenSymbol"/>
+              </a:rPr>
+              <a:t>Paginacja W Aplikacji – Biblioteka Paging3</a:t>
+            </a:r>
+          </a:p>
+          <a:p>
+            <a:pPr lvl="1">
+              <a:spcAft>
+                <a:spcPts val="600"/>
+              </a:spcAft>
+              <a:tabLst>
+                <a:tab pos="-365760" algn="l"/>
+              </a:tabLst>
+            </a:pPr>
+            <a:endParaRPr lang="pl-PL" sz="1600" kern="150" dirty="0">
+              <a:latin typeface="Verdana, Verdana"/>
+              <a:ea typeface="OpenSymbol"/>
+              <a:cs typeface="OpenSymbol"/>
+            </a:endParaRPr>
+          </a:p>
+          <a:p>
+            <a:pPr marL="342900" indent="-342900">
+              <a:spcAft>
+                <a:spcPts val="600"/>
+              </a:spcAft>
+              <a:buFont typeface="Arial" panose="020B0604020202020204" pitchFamily="34" charset="0"/>
+              <a:buChar char="•"/>
+              <a:tabLst>
+                <a:tab pos="-365760" algn="l"/>
+              </a:tabLst>
+            </a:pPr>
+            <a:r>
+              <a:rPr lang="pl-PL" sz="1600" b="1" kern="150" dirty="0">
+                <a:effectLst/>
+                <a:latin typeface="Verdana, Verdana"/>
+                <a:ea typeface="OpenSymbol"/>
+                <a:cs typeface="OpenSymbol"/>
+              </a:rPr>
+              <a:t>Modu</a:t>
+            </a:r>
+            <a:r>
+              <a:rPr lang="pl-PL" sz="1600" b="1" kern="150" dirty="0">
+                <a:latin typeface="Verdana, Verdana"/>
+                <a:ea typeface="OpenSymbol"/>
+                <a:cs typeface="OpenSymbol"/>
+              </a:rPr>
+              <a:t>ł 5 – Wstrzykiwanie Zależności (Kotlin, Java)</a:t>
+            </a:r>
+            <a:endParaRPr lang="pl-PL" sz="1600" kern="150" dirty="0">
+              <a:latin typeface="Verdana, Verdana"/>
+              <a:ea typeface="OpenSymbol"/>
+              <a:cs typeface="OpenSymbol"/>
+            </a:endParaRPr>
+          </a:p>
+          <a:p>
+            <a:pPr marL="800100" lvl="1" indent="-342900">
+              <a:spcAft>
+                <a:spcPts val="600"/>
+              </a:spcAft>
+              <a:buFont typeface="Arial" panose="020B0604020202020204" pitchFamily="34" charset="0"/>
+              <a:buChar char="•"/>
+              <a:tabLst>
+                <a:tab pos="-365760" algn="l"/>
+              </a:tabLst>
+            </a:pPr>
+            <a:r>
+              <a:rPr lang="pl-PL" sz="1600" kern="150" dirty="0">
+                <a:latin typeface="Verdana, Verdana"/>
+                <a:ea typeface="OpenSymbol"/>
+                <a:cs typeface="OpenSymbol"/>
+              </a:rPr>
+              <a:t>Podstawy Wstrzykiwania Zależności – Biblioteka </a:t>
+            </a:r>
+            <a:r>
+              <a:rPr lang="pl-PL" sz="1600" kern="150" dirty="0" err="1">
+                <a:latin typeface="Verdana, Verdana"/>
+                <a:ea typeface="OpenSymbol"/>
+                <a:cs typeface="OpenSymbol"/>
+              </a:rPr>
+              <a:t>Dagger</a:t>
+            </a:r>
+            <a:endParaRPr lang="pl-PL" sz="1600" kern="150" dirty="0">
+              <a:latin typeface="Verdana, Verdana"/>
+              <a:ea typeface="OpenSymbol"/>
+              <a:cs typeface="OpenSymbol"/>
+            </a:endParaRPr>
+          </a:p>
+          <a:p>
+            <a:pPr marL="800100" lvl="1" indent="-342900">
+              <a:spcAft>
+                <a:spcPts val="600"/>
+              </a:spcAft>
+              <a:buFont typeface="Arial" panose="020B0604020202020204" pitchFamily="34" charset="0"/>
+              <a:buChar char="•"/>
+              <a:tabLst>
+                <a:tab pos="-365760" algn="l"/>
+              </a:tabLst>
+            </a:pPr>
+            <a:r>
+              <a:rPr lang="pl-PL" sz="1600" kern="150" dirty="0">
+                <a:effectLst/>
+                <a:latin typeface="Verdana, Verdana"/>
+                <a:ea typeface="OpenSymbol"/>
+                <a:cs typeface="OpenSymbol"/>
+              </a:rPr>
+              <a:t>Wstrzykiwani</a:t>
+            </a:r>
+            <a:r>
+              <a:rPr lang="pl-PL" sz="1600" kern="150" dirty="0">
+                <a:latin typeface="Verdana, Verdana"/>
+                <a:ea typeface="OpenSymbol"/>
+                <a:cs typeface="OpenSymbol"/>
+              </a:rPr>
+              <a:t>e Zależności Z </a:t>
+            </a:r>
+            <a:r>
+              <a:rPr lang="pl-PL" sz="1600" kern="150" dirty="0" err="1">
+                <a:latin typeface="Verdana, Verdana"/>
+                <a:ea typeface="OpenSymbol"/>
+                <a:cs typeface="OpenSymbol"/>
+              </a:rPr>
+              <a:t>Bliblioteką</a:t>
+            </a:r>
+            <a:r>
+              <a:rPr lang="pl-PL" sz="1600" kern="150" dirty="0">
+                <a:latin typeface="Verdana, Verdana"/>
+                <a:ea typeface="OpenSymbol"/>
+                <a:cs typeface="OpenSymbol"/>
+              </a:rPr>
+              <a:t> </a:t>
+            </a:r>
+            <a:r>
+              <a:rPr lang="pl-PL" sz="1600" kern="150" dirty="0" err="1">
+                <a:latin typeface="Verdana, Verdana"/>
+                <a:ea typeface="OpenSymbol"/>
+                <a:cs typeface="OpenSymbol"/>
+              </a:rPr>
+              <a:t>Hilt</a:t>
+            </a:r>
+            <a:endParaRPr lang="pl-PL" sz="1600" kern="150" dirty="0">
+              <a:effectLst/>
+              <a:latin typeface="Verdana, Verdana"/>
+              <a:ea typeface="OpenSymbol"/>
+              <a:cs typeface="OpenSymbol"/>
+            </a:endParaRPr>
+          </a:p>
+          <a:p>
+            <a:pPr marL="800100" lvl="1" indent="-342900">
+              <a:spcAft>
+                <a:spcPts val="600"/>
+              </a:spcAft>
+              <a:buFont typeface="Arial" panose="020B0604020202020204" pitchFamily="34" charset="0"/>
+              <a:buChar char="•"/>
+              <a:tabLst>
+                <a:tab pos="-365760" algn="l"/>
+              </a:tabLst>
+            </a:pPr>
+            <a:endParaRPr lang="pl-PL" sz="1600" kern="150" dirty="0">
+              <a:effectLst/>
+              <a:latin typeface="Verdana, Verdana"/>
+              <a:ea typeface="OpenSymbol"/>
+              <a:cs typeface="OpenSymbol"/>
+            </a:endParaRPr>
           </a:p>
         </p:txBody>
       </p:sp>
     </p:spTree>
     <p:extLst>
       <p:ext uri="{BB962C8B-B14F-4D97-AF65-F5344CB8AC3E}">
-        <p14:creationId xmlns:p14="http://schemas.microsoft.com/office/powerpoint/2010/main" val="1460940364"/>
+        <p14:creationId xmlns:p14="http://schemas.microsoft.com/office/powerpoint/2010/main" val="2675271193"/>
       </p:ext>
     </p:extLst>
   </p:cSld>
@@ -6315,10 +7209,96 @@
       </p:grpSpPr>
       <p:sp>
         <p:nvSpPr>
-          <p:cNvPr id="7" name="TextBox 1">
+          <p:cNvPr id="2" name="Rectangle 1"/>
+          <p:cNvSpPr/>
+          <p:nvPr/>
+        </p:nvSpPr>
+        <p:spPr>
+          <a:xfrm>
+            <a:off x="1979712" y="188640"/>
+            <a:ext cx="6696744" cy="492443"/>
+          </a:xfrm>
+          <a:prstGeom prst="rect">
+            <a:avLst/>
+          </a:prstGeom>
+        </p:spPr>
+        <p:txBody>
+          <a:bodyPr wrap="square">
+            <a:spAutoFit/>
+          </a:bodyPr>
+          <a:lstStyle/>
+          <a:p>
+            <a:pPr algn="ctr"/>
+            <a:r>
+              <a:rPr lang="pl-PL" sz="2600" dirty="0">
+                <a:solidFill>
+                  <a:schemeClr val="bg1"/>
+                </a:solidFill>
+                <a:latin typeface="Verdana" panose="020B0604030504040204" pitchFamily="34" charset="0"/>
+                <a:ea typeface="Verdana" panose="020B0604030504040204" pitchFamily="34" charset="0"/>
+                <a:cs typeface="Verdana" panose="020B0604030504040204" pitchFamily="34" charset="0"/>
+              </a:rPr>
+              <a:t>Tworzenie Aplikacji</a:t>
+            </a:r>
+          </a:p>
+        </p:txBody>
+      </p:sp>
+      <p:sp>
+        <p:nvSpPr>
+          <p:cNvPr id="6" name="Prostokąt 5">
             <a:extLst>
               <a:ext uri="{FF2B5EF4-FFF2-40B4-BE49-F238E27FC236}">
-                <a16:creationId xmlns:a16="http://schemas.microsoft.com/office/drawing/2014/main" id="{18B63D4F-5BA2-440F-9AD4-247950001015}"/>
+                <a16:creationId xmlns:a16="http://schemas.microsoft.com/office/drawing/2014/main" id="{CA41B780-B57E-411C-AAD5-3D3D6912F664}"/>
+              </a:ext>
+            </a:extLst>
+          </p:cNvPr>
+          <p:cNvSpPr/>
+          <p:nvPr/>
+        </p:nvSpPr>
+        <p:spPr>
+          <a:xfrm>
+            <a:off x="970062" y="836712"/>
+            <a:ext cx="8172400" cy="6021288"/>
+          </a:xfrm>
+          <a:prstGeom prst="rect">
+            <a:avLst/>
+          </a:prstGeom>
+          <a:solidFill>
+            <a:schemeClr val="tx1">
+              <a:lumMod val="75000"/>
+              <a:lumOff val="25000"/>
+            </a:schemeClr>
+          </a:solidFill>
+        </p:spPr>
+        <p:style>
+          <a:lnRef idx="1">
+            <a:schemeClr val="accent1"/>
+          </a:lnRef>
+          <a:fillRef idx="3">
+            <a:schemeClr val="accent1"/>
+          </a:fillRef>
+          <a:effectRef idx="2">
+            <a:schemeClr val="accent1"/>
+          </a:effectRef>
+          <a:fontRef idx="minor">
+            <a:schemeClr val="lt1"/>
+          </a:fontRef>
+        </p:style>
+        <p:txBody>
+          <a:bodyPr rtlCol="0" anchor="ctr"/>
+          <a:lstStyle/>
+          <a:p>
+            <a:pPr algn="ctr"/>
+            <a:endParaRPr lang="pl-PL" dirty="0"/>
+          </a:p>
+        </p:txBody>
+      </p:sp>
+      <p:sp>
+        <p:nvSpPr>
+          <p:cNvPr id="3" name="pole tekstowe 2">
+            <a:extLst>
+              <a:ext uri="{FF2B5EF4-FFF2-40B4-BE49-F238E27FC236}">
+                <a16:creationId xmlns:a16="http://schemas.microsoft.com/office/drawing/2014/main" id="{DCA37C19-49A5-EC0F-2F5E-5F597C863035}"/>
               </a:ext>
             </a:extLst>
           </p:cNvPr>
@@ -6327,8 +7307,8 @@
         </p:nvSpPr>
         <p:spPr>
           <a:xfrm>
-            <a:off x="359532" y="3284984"/>
-            <a:ext cx="8424936" cy="584775"/>
+            <a:off x="1028784" y="840432"/>
+            <a:ext cx="3353803" cy="769441"/>
           </a:xfrm>
           <a:prstGeom prst="rect">
             <a:avLst/>
@@ -6336,19 +7316,460 @@
           <a:noFill/>
         </p:spPr>
         <p:txBody>
-          <a:bodyPr wrap="square" rtlCol="0">
+          <a:bodyPr wrap="none" rtlCol="0">
             <a:spAutoFit/>
           </a:bodyPr>
           <a:lstStyle/>
           <a:p>
-            <a:pPr algn="ctr"/>
-            <a:r>
-              <a:rPr lang="pl-PL" sz="3200" b="1" dirty="0">
+            <a:r>
+              <a:rPr lang="pl-PL" sz="4400" b="1" dirty="0">
                 <a:solidFill>
                   <a:schemeClr val="bg1"/>
                 </a:solidFill>
               </a:rPr>
-              <a:t>Architektura Androida</a:t>
+              <a:t>Kotlin, Java</a:t>
+            </a:r>
+          </a:p>
+        </p:txBody>
+      </p:sp>
+      <p:pic>
+        <p:nvPicPr>
+          <p:cNvPr id="7" name="Obraz 6">
+            <a:extLst>
+              <a:ext uri="{FF2B5EF4-FFF2-40B4-BE49-F238E27FC236}">
+                <a16:creationId xmlns:a16="http://schemas.microsoft.com/office/drawing/2014/main" id="{31F78ED5-8011-FF7F-DCF1-2106CCDD5D2C}"/>
+              </a:ext>
+            </a:extLst>
+          </p:cNvPr>
+          <p:cNvPicPr>
+            <a:picLocks noChangeAspect="1"/>
+          </p:cNvPicPr>
+          <p:nvPr/>
+        </p:nvPicPr>
+        <p:blipFill>
+          <a:blip r:embed="rId4"/>
+          <a:stretch>
+            <a:fillRect/>
+          </a:stretch>
+        </p:blipFill>
+        <p:spPr>
+          <a:xfrm>
+            <a:off x="960886" y="1654166"/>
+            <a:ext cx="8065418" cy="3496139"/>
+          </a:xfrm>
+          <a:prstGeom prst="rect">
+            <a:avLst/>
+          </a:prstGeom>
+        </p:spPr>
+      </p:pic>
+      <p:sp>
+        <p:nvSpPr>
+          <p:cNvPr id="8" name="pole tekstowe 7">
+            <a:extLst>
+              <a:ext uri="{FF2B5EF4-FFF2-40B4-BE49-F238E27FC236}">
+                <a16:creationId xmlns:a16="http://schemas.microsoft.com/office/drawing/2014/main" id="{ECE55CB1-9041-FFC6-3551-D82A64BDD8A2}"/>
+              </a:ext>
+            </a:extLst>
+          </p:cNvPr>
+          <p:cNvSpPr txBox="1"/>
+          <p:nvPr/>
+        </p:nvSpPr>
+        <p:spPr>
+          <a:xfrm>
+            <a:off x="6156176" y="840432"/>
+            <a:ext cx="1782860" cy="769441"/>
+          </a:xfrm>
+          <a:prstGeom prst="rect">
+            <a:avLst/>
+          </a:prstGeom>
+          <a:noFill/>
+        </p:spPr>
+        <p:txBody>
+          <a:bodyPr wrap="none" rtlCol="0">
+            <a:spAutoFit/>
+          </a:bodyPr>
+          <a:lstStyle/>
+          <a:p>
+            <a:r>
+              <a:rPr lang="pl-PL" sz="4400" b="1" dirty="0">
+                <a:solidFill>
+                  <a:schemeClr val="bg1"/>
+                </a:solidFill>
+              </a:rPr>
+              <a:t>Kotlin</a:t>
+            </a:r>
+          </a:p>
+        </p:txBody>
+      </p:sp>
+      <p:sp>
+        <p:nvSpPr>
+          <p:cNvPr id="9" name="pole tekstowe 8">
+            <a:extLst>
+              <a:ext uri="{FF2B5EF4-FFF2-40B4-BE49-F238E27FC236}">
+                <a16:creationId xmlns:a16="http://schemas.microsoft.com/office/drawing/2014/main" id="{999F92BB-FA13-458D-BD37-87C7E4499E1C}"/>
+              </a:ext>
+            </a:extLst>
+          </p:cNvPr>
+          <p:cNvSpPr txBox="1"/>
+          <p:nvPr/>
+        </p:nvSpPr>
+        <p:spPr>
+          <a:xfrm>
+            <a:off x="1041384" y="5194598"/>
+            <a:ext cx="2400016" cy="1692771"/>
+          </a:xfrm>
+          <a:prstGeom prst="rect">
+            <a:avLst/>
+          </a:prstGeom>
+          <a:noFill/>
+        </p:spPr>
+        <p:txBody>
+          <a:bodyPr wrap="none" rtlCol="0">
+            <a:spAutoFit/>
+          </a:bodyPr>
+          <a:lstStyle/>
+          <a:p>
+            <a:r>
+              <a:rPr lang="pl-PL" sz="2400" b="1" dirty="0">
+                <a:solidFill>
+                  <a:schemeClr val="bg1"/>
+                </a:solidFill>
+              </a:rPr>
+              <a:t>Moduł 1</a:t>
+            </a:r>
+          </a:p>
+          <a:p>
+            <a:pPr marL="342900" indent="-342900">
+              <a:buFont typeface="Arial" panose="020B0604020202020204" pitchFamily="34" charset="0"/>
+              <a:buChar char="•"/>
+            </a:pPr>
+            <a:r>
+              <a:rPr lang="pl-PL" sz="1600" b="1" dirty="0" err="1">
+                <a:solidFill>
+                  <a:schemeClr val="bg1"/>
+                </a:solidFill>
+              </a:rPr>
+              <a:t>Xml</a:t>
+            </a:r>
+            <a:endParaRPr lang="pl-PL" sz="1600" b="1" dirty="0">
+              <a:solidFill>
+                <a:schemeClr val="bg1"/>
+              </a:solidFill>
+            </a:endParaRPr>
+          </a:p>
+          <a:p>
+            <a:pPr marL="342900" indent="-342900">
+              <a:buFont typeface="Arial" panose="020B0604020202020204" pitchFamily="34" charset="0"/>
+              <a:buChar char="•"/>
+            </a:pPr>
+            <a:r>
+              <a:rPr lang="pl-PL" sz="1600" b="1" dirty="0" err="1">
+                <a:solidFill>
+                  <a:schemeClr val="bg1"/>
+                </a:solidFill>
+              </a:rPr>
+              <a:t>RecyclerView</a:t>
+            </a:r>
+            <a:endParaRPr lang="pl-PL" sz="1600" b="1" dirty="0">
+              <a:solidFill>
+                <a:schemeClr val="bg1"/>
+              </a:solidFill>
+            </a:endParaRPr>
+          </a:p>
+          <a:p>
+            <a:pPr marL="342900" indent="-342900">
+              <a:buFont typeface="Arial" panose="020B0604020202020204" pitchFamily="34" charset="0"/>
+              <a:buChar char="•"/>
+            </a:pPr>
+            <a:r>
+              <a:rPr lang="pl-PL" sz="1600" b="1" dirty="0" err="1">
+                <a:solidFill>
+                  <a:schemeClr val="bg1"/>
+                </a:solidFill>
+              </a:rPr>
+              <a:t>ViewHolder</a:t>
+            </a:r>
+            <a:endParaRPr lang="pl-PL" sz="1600" b="1" dirty="0">
+              <a:solidFill>
+                <a:schemeClr val="bg1"/>
+              </a:solidFill>
+            </a:endParaRPr>
+          </a:p>
+          <a:p>
+            <a:pPr marL="342900" indent="-342900">
+              <a:buFont typeface="Arial" panose="020B0604020202020204" pitchFamily="34" charset="0"/>
+              <a:buChar char="•"/>
+            </a:pPr>
+            <a:r>
+              <a:rPr lang="pl-PL" sz="1600" b="1" dirty="0">
+                <a:solidFill>
+                  <a:schemeClr val="bg1"/>
+                </a:solidFill>
+              </a:rPr>
+              <a:t>Fragmenty</a:t>
+            </a:r>
+          </a:p>
+          <a:p>
+            <a:pPr marL="342900" indent="-342900">
+              <a:buFont typeface="Arial" panose="020B0604020202020204" pitchFamily="34" charset="0"/>
+              <a:buChar char="•"/>
+            </a:pPr>
+            <a:r>
+              <a:rPr lang="pl-PL" sz="1600" b="1" dirty="0" err="1">
+                <a:solidFill>
+                  <a:schemeClr val="bg1"/>
+                </a:solidFill>
+              </a:rPr>
+              <a:t>Jetpack</a:t>
+            </a:r>
+            <a:r>
+              <a:rPr lang="pl-PL" sz="1600" b="1" dirty="0">
+                <a:solidFill>
+                  <a:schemeClr val="bg1"/>
+                </a:solidFill>
+              </a:rPr>
+              <a:t> </a:t>
+            </a:r>
+            <a:r>
+              <a:rPr lang="pl-PL" sz="1600" b="1" dirty="0" err="1">
+                <a:solidFill>
+                  <a:schemeClr val="bg1"/>
+                </a:solidFill>
+              </a:rPr>
+              <a:t>Navigation</a:t>
+            </a:r>
+            <a:endParaRPr lang="pl-PL" sz="1600" b="1" dirty="0">
+              <a:solidFill>
+                <a:schemeClr val="bg1"/>
+              </a:solidFill>
+            </a:endParaRPr>
+          </a:p>
+        </p:txBody>
+      </p:sp>
+      <p:sp>
+        <p:nvSpPr>
+          <p:cNvPr id="10" name="pole tekstowe 9">
+            <a:extLst>
+              <a:ext uri="{FF2B5EF4-FFF2-40B4-BE49-F238E27FC236}">
+                <a16:creationId xmlns:a16="http://schemas.microsoft.com/office/drawing/2014/main" id="{56A02B69-3C24-0A8E-AC29-E63CEA7BA122}"/>
+              </a:ext>
+            </a:extLst>
+          </p:cNvPr>
+          <p:cNvSpPr txBox="1"/>
+          <p:nvPr/>
+        </p:nvSpPr>
+        <p:spPr>
+          <a:xfrm>
+            <a:off x="6492061" y="5177300"/>
+            <a:ext cx="2694969" cy="1692771"/>
+          </a:xfrm>
+          <a:prstGeom prst="rect">
+            <a:avLst/>
+          </a:prstGeom>
+          <a:noFill/>
+        </p:spPr>
+        <p:txBody>
+          <a:bodyPr wrap="none" rtlCol="0">
+            <a:spAutoFit/>
+          </a:bodyPr>
+          <a:lstStyle/>
+          <a:p>
+            <a:r>
+              <a:rPr lang="pl-PL" sz="2400" b="1" dirty="0">
+                <a:solidFill>
+                  <a:schemeClr val="bg1"/>
+                </a:solidFill>
+              </a:rPr>
+              <a:t>Moduł 2</a:t>
+            </a:r>
+          </a:p>
+          <a:p>
+            <a:pPr marL="285750" indent="-285750">
+              <a:buFont typeface="Arial" panose="020B0604020202020204" pitchFamily="34" charset="0"/>
+              <a:buChar char="•"/>
+            </a:pPr>
+            <a:r>
+              <a:rPr lang="pl-PL" sz="1600" b="1" dirty="0">
+                <a:solidFill>
+                  <a:schemeClr val="bg1"/>
+                </a:solidFill>
+              </a:rPr>
+              <a:t>@Composable</a:t>
+            </a:r>
+          </a:p>
+          <a:p>
+            <a:pPr marL="285750" indent="-285750">
+              <a:buFont typeface="Arial" panose="020B0604020202020204" pitchFamily="34" charset="0"/>
+              <a:buChar char="•"/>
+            </a:pPr>
+            <a:r>
+              <a:rPr lang="pl-PL" sz="1600" b="1" dirty="0" err="1">
+                <a:solidFill>
+                  <a:schemeClr val="bg1"/>
+                </a:solidFill>
+              </a:rPr>
+              <a:t>LazyColumn</a:t>
+            </a:r>
+            <a:r>
+              <a:rPr lang="pl-PL" sz="1600" b="1" dirty="0">
+                <a:solidFill>
+                  <a:schemeClr val="bg1"/>
+                </a:solidFill>
+              </a:rPr>
+              <a:t>, </a:t>
+            </a:r>
+            <a:r>
+              <a:rPr lang="pl-PL" sz="1600" b="1" dirty="0" err="1">
+                <a:solidFill>
+                  <a:schemeClr val="bg1"/>
+                </a:solidFill>
+              </a:rPr>
+              <a:t>LazyRow</a:t>
+            </a:r>
+            <a:endParaRPr lang="pl-PL" sz="1600" b="1" dirty="0">
+              <a:solidFill>
+                <a:schemeClr val="bg1"/>
+              </a:solidFill>
+            </a:endParaRPr>
+          </a:p>
+          <a:p>
+            <a:pPr marL="285750" indent="-285750">
+              <a:buFont typeface="Arial" panose="020B0604020202020204" pitchFamily="34" charset="0"/>
+              <a:buChar char="•"/>
+            </a:pPr>
+            <a:r>
+              <a:rPr lang="pl-PL" sz="1600" b="1" dirty="0">
+                <a:solidFill>
+                  <a:schemeClr val="bg1"/>
+                </a:solidFill>
+              </a:rPr>
+              <a:t>Wsparcie dla </a:t>
+            </a:r>
+            <a:r>
+              <a:rPr lang="pl-PL" sz="1600" b="1" dirty="0" err="1">
+                <a:solidFill>
+                  <a:schemeClr val="bg1"/>
+                </a:solidFill>
+              </a:rPr>
+              <a:t>Figma</a:t>
+            </a:r>
+            <a:endParaRPr lang="pl-PL" sz="1600" b="1" dirty="0">
+              <a:solidFill>
+                <a:schemeClr val="bg1"/>
+              </a:solidFill>
+            </a:endParaRPr>
+          </a:p>
+          <a:p>
+            <a:pPr marL="285750" indent="-285750">
+              <a:buFont typeface="Arial" panose="020B0604020202020204" pitchFamily="34" charset="0"/>
+              <a:buChar char="•"/>
+            </a:pPr>
+            <a:r>
+              <a:rPr lang="pl-PL" sz="1600" b="1" dirty="0" err="1">
+                <a:solidFill>
+                  <a:schemeClr val="bg1"/>
+                </a:solidFill>
+              </a:rPr>
+              <a:t>State</a:t>
+            </a:r>
+            <a:endParaRPr lang="pl-PL" sz="1600" b="1" dirty="0">
+              <a:solidFill>
+                <a:schemeClr val="bg1"/>
+              </a:solidFill>
+            </a:endParaRPr>
+          </a:p>
+          <a:p>
+            <a:pPr marL="285750" indent="-285750">
+              <a:buFont typeface="Arial" panose="020B0604020202020204" pitchFamily="34" charset="0"/>
+              <a:buChar char="•"/>
+            </a:pPr>
+            <a:r>
+              <a:rPr lang="pl-PL" sz="1600" b="1" dirty="0" err="1">
+                <a:solidFill>
+                  <a:schemeClr val="bg1"/>
+                </a:solidFill>
+              </a:rPr>
+              <a:t>Compose</a:t>
+            </a:r>
+            <a:r>
+              <a:rPr lang="pl-PL" sz="1600" b="1" dirty="0">
+                <a:solidFill>
+                  <a:schemeClr val="bg1"/>
+                </a:solidFill>
+              </a:rPr>
+              <a:t> </a:t>
+            </a:r>
+            <a:r>
+              <a:rPr lang="pl-PL" sz="1600" b="1" dirty="0" err="1">
+                <a:solidFill>
+                  <a:schemeClr val="bg1"/>
+                </a:solidFill>
+              </a:rPr>
+              <a:t>Navigation</a:t>
+            </a:r>
+            <a:endParaRPr lang="pl-PL" sz="1600" b="1" dirty="0">
+              <a:solidFill>
+                <a:schemeClr val="bg1"/>
+              </a:solidFill>
+            </a:endParaRPr>
+          </a:p>
+        </p:txBody>
+      </p:sp>
+      <p:sp>
+        <p:nvSpPr>
+          <p:cNvPr id="11" name="pole tekstowe 10">
+            <a:extLst>
+              <a:ext uri="{FF2B5EF4-FFF2-40B4-BE49-F238E27FC236}">
+                <a16:creationId xmlns:a16="http://schemas.microsoft.com/office/drawing/2014/main" id="{DBBBF24A-D780-EFE3-3B15-2D5616660E95}"/>
+              </a:ext>
+            </a:extLst>
+          </p:cNvPr>
+          <p:cNvSpPr txBox="1"/>
+          <p:nvPr/>
+        </p:nvSpPr>
+        <p:spPr>
+          <a:xfrm>
+            <a:off x="4409492" y="5640481"/>
+            <a:ext cx="1345240" cy="1200329"/>
+          </a:xfrm>
+          <a:prstGeom prst="rect">
+            <a:avLst/>
+          </a:prstGeom>
+          <a:noFill/>
+        </p:spPr>
+        <p:txBody>
+          <a:bodyPr wrap="none" rtlCol="0">
+            <a:spAutoFit/>
+          </a:bodyPr>
+          <a:lstStyle/>
+          <a:p>
+            <a:r>
+              <a:rPr lang="pl-PL" sz="2400" b="1" dirty="0">
+                <a:solidFill>
+                  <a:schemeClr val="bg1"/>
+                </a:solidFill>
+              </a:rPr>
+              <a:t>Moduł 3</a:t>
+            </a:r>
+          </a:p>
+          <a:p>
+            <a:r>
+              <a:rPr lang="pl-PL" sz="2400" b="1" dirty="0">
+                <a:solidFill>
+                  <a:schemeClr val="bg1"/>
+                </a:solidFill>
+              </a:rPr>
+              <a:t>Moduł 4</a:t>
+            </a:r>
+          </a:p>
+          <a:p>
+            <a:r>
+              <a:rPr lang="pl-PL" sz="2400" b="1" dirty="0">
+                <a:solidFill>
+                  <a:schemeClr val="bg1"/>
+                </a:solidFill>
+              </a:rPr>
+              <a:t>Moduł 5</a:t>
             </a:r>
           </a:p>
         </p:txBody>
@@ -6356,7 +7777,7 @@
     </p:spTree>
     <p:extLst>
       <p:ext uri="{BB962C8B-B14F-4D97-AF65-F5344CB8AC3E}">
-        <p14:creationId xmlns:p14="http://schemas.microsoft.com/office/powerpoint/2010/main" val="1774695252"/>
+        <p14:creationId xmlns:p14="http://schemas.microsoft.com/office/powerpoint/2010/main" val="1077680485"/>
       </p:ext>
     </p:extLst>
   </p:cSld>
@@ -6367,6 +7788,322 @@
 </file>
 
 <file path=ppt/slides/slide6.xml><?xml version="1.0" encoding="utf-8"?>
+<p:sld xmlns:a="http://schemas.openxmlformats.org/drawingml/2006/main" xmlns:r="http://schemas.openxmlformats.org/officeDocument/2006/relationships" xmlns:p="http://schemas.openxmlformats.org/presentationml/2006/main">
+  <p:cSld>
+    <p:bg>
+      <p:bgPr>
+        <a:blipFill dpi="0" rotWithShape="0">
+          <a:blip r:embed="rId3" cstate="print"/>
+          <a:srcRect/>
+          <a:stretch>
+            <a:fillRect/>
+          </a:stretch>
+        </a:blipFill>
+        <a:effectLst/>
+      </p:bgPr>
+    </p:bg>
+    <p:spTree>
+      <p:nvGrpSpPr>
+        <p:cNvPr id="1" name=""/>
+        <p:cNvGrpSpPr/>
+        <p:nvPr/>
+      </p:nvGrpSpPr>
+      <p:grpSpPr>
+        <a:xfrm>
+          <a:off x="0" y="0"/>
+          <a:ext cx="0" cy="0"/>
+          <a:chOff x="0" y="0"/>
+          <a:chExt cx="0" cy="0"/>
+        </a:xfrm>
+      </p:grpSpPr>
+      <p:sp>
+        <p:nvSpPr>
+          <p:cNvPr id="2" name="Rectangle 1"/>
+          <p:cNvSpPr/>
+          <p:nvPr/>
+        </p:nvSpPr>
+        <p:spPr>
+          <a:xfrm>
+            <a:off x="1979712" y="188640"/>
+            <a:ext cx="6696744" cy="492443"/>
+          </a:xfrm>
+          <a:prstGeom prst="rect">
+            <a:avLst/>
+          </a:prstGeom>
+        </p:spPr>
+        <p:txBody>
+          <a:bodyPr wrap="square">
+            <a:spAutoFit/>
+          </a:bodyPr>
+          <a:lstStyle/>
+          <a:p>
+            <a:pPr algn="ctr"/>
+            <a:r>
+              <a:rPr lang="pl-PL" sz="2600" dirty="0">
+                <a:solidFill>
+                  <a:schemeClr val="bg1"/>
+                </a:solidFill>
+                <a:latin typeface="Verdana" panose="020B0604030504040204" pitchFamily="34" charset="0"/>
+                <a:ea typeface="Verdana" panose="020B0604030504040204" pitchFamily="34" charset="0"/>
+                <a:cs typeface="Verdana" panose="020B0604030504040204" pitchFamily="34" charset="0"/>
+              </a:rPr>
+              <a:t>Figma.com</a:t>
+            </a:r>
+          </a:p>
+        </p:txBody>
+      </p:sp>
+      <p:sp>
+        <p:nvSpPr>
+          <p:cNvPr id="6" name="Prostokąt 5">
+            <a:extLst>
+              <a:ext uri="{FF2B5EF4-FFF2-40B4-BE49-F238E27FC236}">
+                <a16:creationId xmlns:a16="http://schemas.microsoft.com/office/drawing/2014/main" id="{CA41B780-B57E-411C-AAD5-3D3D6912F664}"/>
+              </a:ext>
+            </a:extLst>
+          </p:cNvPr>
+          <p:cNvSpPr/>
+          <p:nvPr/>
+        </p:nvSpPr>
+        <p:spPr>
+          <a:xfrm>
+            <a:off x="970062" y="836712"/>
+            <a:ext cx="8172400" cy="6021288"/>
+          </a:xfrm>
+          <a:prstGeom prst="rect">
+            <a:avLst/>
+          </a:prstGeom>
+          <a:solidFill>
+            <a:schemeClr val="tx1">
+              <a:lumMod val="75000"/>
+              <a:lumOff val="25000"/>
+            </a:schemeClr>
+          </a:solidFill>
+        </p:spPr>
+        <p:style>
+          <a:lnRef idx="1">
+            <a:schemeClr val="accent1"/>
+          </a:lnRef>
+          <a:fillRef idx="3">
+            <a:schemeClr val="accent1"/>
+          </a:fillRef>
+          <a:effectRef idx="2">
+            <a:schemeClr val="accent1"/>
+          </a:effectRef>
+          <a:fontRef idx="minor">
+            <a:schemeClr val="lt1"/>
+          </a:fontRef>
+        </p:style>
+        <p:txBody>
+          <a:bodyPr rtlCol="0" anchor="ctr"/>
+          <a:lstStyle/>
+          <a:p>
+            <a:pPr algn="ctr"/>
+            <a:endParaRPr lang="pl-PL" dirty="0"/>
+          </a:p>
+        </p:txBody>
+      </p:sp>
+      <p:pic>
+        <p:nvPicPr>
+          <p:cNvPr id="5" name="Obraz 4">
+            <a:extLst>
+              <a:ext uri="{FF2B5EF4-FFF2-40B4-BE49-F238E27FC236}">
+                <a16:creationId xmlns:a16="http://schemas.microsoft.com/office/drawing/2014/main" id="{91A9C39D-5F84-E838-7A2A-71144949B568}"/>
+              </a:ext>
+            </a:extLst>
+          </p:cNvPr>
+          <p:cNvPicPr>
+            <a:picLocks noChangeAspect="1"/>
+          </p:cNvPicPr>
+          <p:nvPr/>
+        </p:nvPicPr>
+        <p:blipFill>
+          <a:blip r:embed="rId4"/>
+          <a:stretch>
+            <a:fillRect/>
+          </a:stretch>
+        </p:blipFill>
+        <p:spPr>
+          <a:xfrm>
+            <a:off x="893366" y="836712"/>
+            <a:ext cx="8250634" cy="5814119"/>
+          </a:xfrm>
+          <a:prstGeom prst="rect">
+            <a:avLst/>
+          </a:prstGeom>
+        </p:spPr>
+      </p:pic>
+    </p:spTree>
+    <p:extLst>
+      <p:ext uri="{BB962C8B-B14F-4D97-AF65-F5344CB8AC3E}">
+        <p14:creationId xmlns:p14="http://schemas.microsoft.com/office/powerpoint/2010/main" val="3497824377"/>
+      </p:ext>
+    </p:extLst>
+  </p:cSld>
+  <p:clrMapOvr>
+    <a:masterClrMapping/>
+  </p:clrMapOvr>
+</p:sld>
+</file>
+
+<file path=ppt/slides/slide7.xml><?xml version="1.0" encoding="utf-8"?>
+<p:sld xmlns:a="http://schemas.openxmlformats.org/drawingml/2006/main" xmlns:r="http://schemas.openxmlformats.org/officeDocument/2006/relationships" xmlns:p="http://schemas.openxmlformats.org/presentationml/2006/main">
+  <p:cSld>
+    <p:bg>
+      <p:bgPr>
+        <a:blipFill dpi="0" rotWithShape="0">
+          <a:blip r:embed="rId3" cstate="print"/>
+          <a:srcRect/>
+          <a:stretch>
+            <a:fillRect/>
+          </a:stretch>
+        </a:blipFill>
+        <a:effectLst/>
+      </p:bgPr>
+    </p:bg>
+    <p:spTree>
+      <p:nvGrpSpPr>
+        <p:cNvPr id="1" name=""/>
+        <p:cNvGrpSpPr/>
+        <p:nvPr/>
+      </p:nvGrpSpPr>
+      <p:grpSpPr>
+        <a:xfrm>
+          <a:off x="0" y="0"/>
+          <a:ext cx="0" cy="0"/>
+          <a:chOff x="0" y="0"/>
+          <a:chExt cx="0" cy="0"/>
+        </a:xfrm>
+      </p:grpSpPr>
+      <p:sp>
+        <p:nvSpPr>
+          <p:cNvPr id="2" name="Rectangle 1"/>
+          <p:cNvSpPr/>
+          <p:nvPr/>
+        </p:nvSpPr>
+        <p:spPr>
+          <a:xfrm>
+            <a:off x="1979712" y="188640"/>
+            <a:ext cx="6696744" cy="492443"/>
+          </a:xfrm>
+          <a:prstGeom prst="rect">
+            <a:avLst/>
+          </a:prstGeom>
+        </p:spPr>
+        <p:txBody>
+          <a:bodyPr wrap="square">
+            <a:spAutoFit/>
+          </a:bodyPr>
+          <a:lstStyle/>
+          <a:p>
+            <a:pPr algn="ctr"/>
+            <a:r>
+              <a:rPr lang="pl-PL" sz="2600" dirty="0">
+                <a:solidFill>
+                  <a:schemeClr val="bg1"/>
+                </a:solidFill>
+                <a:latin typeface="Verdana" panose="020B0604030504040204" pitchFamily="34" charset="0"/>
+                <a:ea typeface="Verdana" panose="020B0604030504040204" pitchFamily="34" charset="0"/>
+                <a:cs typeface="Verdana" panose="020B0604030504040204" pitchFamily="34" charset="0"/>
+              </a:rPr>
+              <a:t>Tworzenie Aplikacji</a:t>
+            </a:r>
+          </a:p>
+        </p:txBody>
+      </p:sp>
+      <p:sp>
+        <p:nvSpPr>
+          <p:cNvPr id="6" name="Prostokąt 5">
+            <a:extLst>
+              <a:ext uri="{FF2B5EF4-FFF2-40B4-BE49-F238E27FC236}">
+                <a16:creationId xmlns:a16="http://schemas.microsoft.com/office/drawing/2014/main" id="{CA41B780-B57E-411C-AAD5-3D3D6912F664}"/>
+              </a:ext>
+            </a:extLst>
+          </p:cNvPr>
+          <p:cNvSpPr/>
+          <p:nvPr/>
+        </p:nvSpPr>
+        <p:spPr>
+          <a:xfrm>
+            <a:off x="971600" y="836712"/>
+            <a:ext cx="8172400" cy="6021288"/>
+          </a:xfrm>
+          <a:prstGeom prst="rect">
+            <a:avLst/>
+          </a:prstGeom>
+          <a:solidFill>
+            <a:schemeClr val="tx1">
+              <a:lumMod val="75000"/>
+              <a:lumOff val="25000"/>
+            </a:schemeClr>
+          </a:solidFill>
+        </p:spPr>
+        <p:style>
+          <a:lnRef idx="1">
+            <a:schemeClr val="accent1"/>
+          </a:lnRef>
+          <a:fillRef idx="3">
+            <a:schemeClr val="accent1"/>
+          </a:fillRef>
+          <a:effectRef idx="2">
+            <a:schemeClr val="accent1"/>
+          </a:effectRef>
+          <a:fontRef idx="minor">
+            <a:schemeClr val="lt1"/>
+          </a:fontRef>
+        </p:style>
+        <p:txBody>
+          <a:bodyPr rtlCol="0" anchor="ctr"/>
+          <a:lstStyle/>
+          <a:p>
+            <a:pPr algn="ctr"/>
+            <a:endParaRPr lang="pl-PL" dirty="0"/>
+          </a:p>
+        </p:txBody>
+      </p:sp>
+      <p:pic>
+        <p:nvPicPr>
+          <p:cNvPr id="5" name="Obraz 4">
+            <a:extLst>
+              <a:ext uri="{FF2B5EF4-FFF2-40B4-BE49-F238E27FC236}">
+                <a16:creationId xmlns:a16="http://schemas.microsoft.com/office/drawing/2014/main" id="{2A80B079-413F-D70E-1C14-B425D1A7ECB3}"/>
+              </a:ext>
+            </a:extLst>
+          </p:cNvPr>
+          <p:cNvPicPr>
+            <a:picLocks noChangeAspect="1"/>
+          </p:cNvPicPr>
+          <p:nvPr/>
+        </p:nvPicPr>
+        <p:blipFill>
+          <a:blip r:embed="rId4"/>
+          <a:stretch>
+            <a:fillRect/>
+          </a:stretch>
+        </p:blipFill>
+        <p:spPr>
+          <a:xfrm>
+            <a:off x="2219350" y="954360"/>
+            <a:ext cx="5676900" cy="5715000"/>
+          </a:xfrm>
+          <a:prstGeom prst="rect">
+            <a:avLst/>
+          </a:prstGeom>
+        </p:spPr>
+      </p:pic>
+    </p:spTree>
+    <p:extLst>
+      <p:ext uri="{BB962C8B-B14F-4D97-AF65-F5344CB8AC3E}">
+        <p14:creationId xmlns:p14="http://schemas.microsoft.com/office/powerpoint/2010/main" val="486739506"/>
+      </p:ext>
+    </p:extLst>
+  </p:cSld>
+  <p:clrMapOvr>
+    <a:masterClrMapping/>
+  </p:clrMapOvr>
+</p:sld>
+</file>
+
+<file path=ppt/slides/slide8.xml><?xml version="1.0" encoding="utf-8"?>
 <p:sld xmlns:a="http://schemas.openxmlformats.org/drawingml/2006/main" xmlns:r="http://schemas.openxmlformats.org/officeDocument/2006/relationships" xmlns:p="http://schemas.openxmlformats.org/presentationml/2006/main">
   <p:cSld>
     <p:bg>
@@ -6530,721 +8267,6 @@
 </p:sld>
 </file>
 
-<file path=ppt/slides/slide7.xml><?xml version="1.0" encoding="utf-8"?>
-<p:sld xmlns:a="http://schemas.openxmlformats.org/drawingml/2006/main" xmlns:r="http://schemas.openxmlformats.org/officeDocument/2006/relationships" xmlns:p="http://schemas.openxmlformats.org/presentationml/2006/main">
-  <p:cSld>
-    <p:bg>
-      <p:bgPr>
-        <a:blipFill dpi="0" rotWithShape="0">
-          <a:blip r:embed="rId3" cstate="print"/>
-          <a:srcRect/>
-          <a:stretch>
-            <a:fillRect/>
-          </a:stretch>
-        </a:blipFill>
-        <a:effectLst/>
-      </p:bgPr>
-    </p:bg>
-    <p:spTree>
-      <p:nvGrpSpPr>
-        <p:cNvPr id="1" name=""/>
-        <p:cNvGrpSpPr/>
-        <p:nvPr/>
-      </p:nvGrpSpPr>
-      <p:grpSpPr>
-        <a:xfrm>
-          <a:off x="0" y="0"/>
-          <a:ext cx="0" cy="0"/>
-          <a:chOff x="0" y="0"/>
-          <a:chExt cx="0" cy="0"/>
-        </a:xfrm>
-      </p:grpSpPr>
-      <p:sp>
-        <p:nvSpPr>
-          <p:cNvPr id="2" name="Rectangle 1"/>
-          <p:cNvSpPr/>
-          <p:nvPr/>
-        </p:nvSpPr>
-        <p:spPr>
-          <a:xfrm>
-            <a:off x="1979712" y="188640"/>
-            <a:ext cx="6696744" cy="492443"/>
-          </a:xfrm>
-          <a:prstGeom prst="rect">
-            <a:avLst/>
-          </a:prstGeom>
-        </p:spPr>
-        <p:txBody>
-          <a:bodyPr wrap="square">
-            <a:spAutoFit/>
-          </a:bodyPr>
-          <a:lstStyle/>
-          <a:p>
-            <a:pPr algn="ctr"/>
-            <a:r>
-              <a:rPr lang="pl-PL" sz="2600" dirty="0">
-                <a:solidFill>
-                  <a:schemeClr val="bg1"/>
-                </a:solidFill>
-                <a:latin typeface="Verdana" panose="020B0604030504040204" pitchFamily="34" charset="0"/>
-                <a:ea typeface="Verdana" panose="020B0604030504040204" pitchFamily="34" charset="0"/>
-                <a:cs typeface="Verdana" panose="020B0604030504040204" pitchFamily="34" charset="0"/>
-              </a:rPr>
-              <a:t>Architektura platformy Android</a:t>
-            </a:r>
-          </a:p>
-        </p:txBody>
-      </p:sp>
-      <p:sp>
-        <p:nvSpPr>
-          <p:cNvPr id="6" name="Prostokąt 5">
-            <a:extLst>
-              <a:ext uri="{FF2B5EF4-FFF2-40B4-BE49-F238E27FC236}">
-                <a16:creationId xmlns:a16="http://schemas.microsoft.com/office/drawing/2014/main" id="{CA41B780-B57E-411C-AAD5-3D3D6912F664}"/>
-              </a:ext>
-            </a:extLst>
-          </p:cNvPr>
-          <p:cNvSpPr/>
-          <p:nvPr/>
-        </p:nvSpPr>
-        <p:spPr>
-          <a:xfrm>
-            <a:off x="970062" y="836712"/>
-            <a:ext cx="8172400" cy="6021288"/>
-          </a:xfrm>
-          <a:prstGeom prst="rect">
-            <a:avLst/>
-          </a:prstGeom>
-          <a:solidFill>
-            <a:schemeClr val="tx1"/>
-          </a:solidFill>
-        </p:spPr>
-        <p:style>
-          <a:lnRef idx="1">
-            <a:schemeClr val="accent1"/>
-          </a:lnRef>
-          <a:fillRef idx="3">
-            <a:schemeClr val="accent1"/>
-          </a:fillRef>
-          <a:effectRef idx="2">
-            <a:schemeClr val="accent1"/>
-          </a:effectRef>
-          <a:fontRef idx="minor">
-            <a:schemeClr val="lt1"/>
-          </a:fontRef>
-        </p:style>
-        <p:txBody>
-          <a:bodyPr rtlCol="0" anchor="ctr"/>
-          <a:lstStyle/>
-          <a:p>
-            <a:pPr algn="ctr"/>
-            <a:endParaRPr lang="pl-PL"/>
-          </a:p>
-        </p:txBody>
-      </p:sp>
-      <p:pic>
-        <p:nvPicPr>
-          <p:cNvPr id="5" name="Obraz 4">
-            <a:extLst>
-              <a:ext uri="{FF2B5EF4-FFF2-40B4-BE49-F238E27FC236}">
-                <a16:creationId xmlns:a16="http://schemas.microsoft.com/office/drawing/2014/main" id="{64B9E9CA-CF72-4BFF-9E7B-01F43BF32B17}"/>
-              </a:ext>
-            </a:extLst>
-          </p:cNvPr>
-          <p:cNvPicPr>
-            <a:picLocks noChangeAspect="1"/>
-          </p:cNvPicPr>
-          <p:nvPr/>
-        </p:nvPicPr>
-        <p:blipFill>
-          <a:blip r:embed="rId4">
-            <a:extLst>
-              <a:ext uri="{28A0092B-C50C-407E-A947-70E740481C1C}">
-                <a14:useLocalDpi xmlns:a14="http://schemas.microsoft.com/office/drawing/2010/main" val="0"/>
-              </a:ext>
-            </a:extLst>
-          </a:blip>
-          <a:stretch>
-            <a:fillRect/>
-          </a:stretch>
-        </p:blipFill>
-        <p:spPr>
-          <a:xfrm>
-            <a:off x="1475656" y="980728"/>
-            <a:ext cx="6791325" cy="1190625"/>
-          </a:xfrm>
-          <a:prstGeom prst="rect">
-            <a:avLst/>
-          </a:prstGeom>
-        </p:spPr>
-      </p:pic>
-      <p:sp>
-        <p:nvSpPr>
-          <p:cNvPr id="7" name="pole tekstowe 6">
-            <a:extLst>
-              <a:ext uri="{FF2B5EF4-FFF2-40B4-BE49-F238E27FC236}">
-                <a16:creationId xmlns:a16="http://schemas.microsoft.com/office/drawing/2014/main" id="{D6AA1D54-19C0-44D0-A983-6620E5D4FE8F}"/>
-              </a:ext>
-            </a:extLst>
-          </p:cNvPr>
-          <p:cNvSpPr txBox="1"/>
-          <p:nvPr/>
-        </p:nvSpPr>
-        <p:spPr>
-          <a:xfrm>
-            <a:off x="1613620" y="2780928"/>
-            <a:ext cx="6885283" cy="2776401"/>
-          </a:xfrm>
-          <a:prstGeom prst="rect">
-            <a:avLst/>
-          </a:prstGeom>
-          <a:noFill/>
-        </p:spPr>
-        <p:txBody>
-          <a:bodyPr wrap="none" rtlCol="0">
-            <a:spAutoFit/>
-          </a:bodyPr>
-          <a:lstStyle/>
-          <a:p>
-            <a:pPr marL="171450" indent="-171450">
-              <a:lnSpc>
-                <a:spcPct val="200000"/>
-              </a:lnSpc>
-              <a:buFont typeface="Courier New" panose="02070309020205020404" pitchFamily="49" charset="0"/>
-              <a:buChar char="o"/>
-            </a:pPr>
-            <a:r>
-              <a:rPr lang="pl-PL" sz="1800" dirty="0">
-                <a:solidFill>
-                  <a:schemeClr val="bg1"/>
-                </a:solidFill>
-              </a:rPr>
-              <a:t>Sprzętowa warstwa abstrakcji urządzenia (HAL)</a:t>
-            </a:r>
-          </a:p>
-          <a:p>
-            <a:pPr marL="171450" indent="-171450">
-              <a:lnSpc>
-                <a:spcPct val="200000"/>
-              </a:lnSpc>
-              <a:buFont typeface="Courier New" panose="02070309020205020404" pitchFamily="49" charset="0"/>
-              <a:buChar char="o"/>
-            </a:pPr>
-            <a:r>
-              <a:rPr lang="pl-PL" sz="1800" dirty="0">
-                <a:solidFill>
-                  <a:schemeClr val="bg1"/>
-                </a:solidFill>
-              </a:rPr>
-              <a:t>Bazuje na jądrze systemu Linux 2.6 – Android nie jest Linuksem</a:t>
-            </a:r>
-          </a:p>
-          <a:p>
-            <a:pPr marL="171450" indent="-171450">
-              <a:lnSpc>
-                <a:spcPct val="200000"/>
-              </a:lnSpc>
-              <a:buFont typeface="Courier New" panose="02070309020205020404" pitchFamily="49" charset="0"/>
-              <a:buChar char="o"/>
-            </a:pPr>
-            <a:r>
-              <a:rPr lang="pl-PL" sz="1800" dirty="0">
-                <a:solidFill>
-                  <a:schemeClr val="bg1"/>
-                </a:solidFill>
-              </a:rPr>
-              <a:t>Głównie sterowniki do urządzeń obecnych na urządzeniu</a:t>
-            </a:r>
-          </a:p>
-          <a:p>
-            <a:pPr marL="171450" indent="-171450">
-              <a:lnSpc>
-                <a:spcPct val="200000"/>
-              </a:lnSpc>
-              <a:buFont typeface="Courier New" panose="02070309020205020404" pitchFamily="49" charset="0"/>
-              <a:buChar char="o"/>
-            </a:pPr>
-            <a:r>
-              <a:rPr lang="pl-PL" sz="1800" dirty="0">
-                <a:solidFill>
-                  <a:schemeClr val="bg1"/>
-                </a:solidFill>
-              </a:rPr>
-              <a:t>Brak natywnego wsparcia dla „okienek”</a:t>
-            </a:r>
-          </a:p>
-          <a:p>
-            <a:pPr marL="171450" indent="-171450">
-              <a:lnSpc>
-                <a:spcPct val="200000"/>
-              </a:lnSpc>
-              <a:buFont typeface="Courier New" panose="02070309020205020404" pitchFamily="49" charset="0"/>
-              <a:buChar char="o"/>
-            </a:pPr>
-            <a:r>
-              <a:rPr lang="pl-PL" sz="1800" dirty="0">
-                <a:solidFill>
-                  <a:schemeClr val="bg1"/>
-                </a:solidFill>
-              </a:rPr>
-              <a:t>Zarządzanie pamięcią, procesami, </a:t>
-            </a:r>
-            <a:r>
-              <a:rPr lang="pl-PL" sz="1800" dirty="0" err="1">
-                <a:solidFill>
-                  <a:schemeClr val="bg1"/>
-                </a:solidFill>
-              </a:rPr>
-              <a:t>sicią</a:t>
-            </a:r>
-            <a:r>
-              <a:rPr lang="pl-PL" sz="1800" dirty="0">
-                <a:solidFill>
-                  <a:schemeClr val="bg1"/>
-                </a:solidFill>
-              </a:rPr>
-              <a:t>, zasilaniem</a:t>
-            </a:r>
-          </a:p>
-        </p:txBody>
-      </p:sp>
-    </p:spTree>
-    <p:extLst>
-      <p:ext uri="{BB962C8B-B14F-4D97-AF65-F5344CB8AC3E}">
-        <p14:creationId xmlns:p14="http://schemas.microsoft.com/office/powerpoint/2010/main" val="3390195149"/>
-      </p:ext>
-    </p:extLst>
-  </p:cSld>
-  <p:clrMapOvr>
-    <a:masterClrMapping/>
-  </p:clrMapOvr>
-</p:sld>
-</file>
-
-<file path=ppt/slides/slide8.xml><?xml version="1.0" encoding="utf-8"?>
-<p:sld xmlns:a="http://schemas.openxmlformats.org/drawingml/2006/main" xmlns:r="http://schemas.openxmlformats.org/officeDocument/2006/relationships" xmlns:p="http://schemas.openxmlformats.org/presentationml/2006/main">
-  <p:cSld>
-    <p:bg>
-      <p:bgPr>
-        <a:blipFill dpi="0" rotWithShape="0">
-          <a:blip r:embed="rId3" cstate="print"/>
-          <a:srcRect/>
-          <a:stretch>
-            <a:fillRect/>
-          </a:stretch>
-        </a:blipFill>
-        <a:effectLst/>
-      </p:bgPr>
-    </p:bg>
-    <p:spTree>
-      <p:nvGrpSpPr>
-        <p:cNvPr id="1" name=""/>
-        <p:cNvGrpSpPr/>
-        <p:nvPr/>
-      </p:nvGrpSpPr>
-      <p:grpSpPr>
-        <a:xfrm>
-          <a:off x="0" y="0"/>
-          <a:ext cx="0" cy="0"/>
-          <a:chOff x="0" y="0"/>
-          <a:chExt cx="0" cy="0"/>
-        </a:xfrm>
-      </p:grpSpPr>
-      <p:sp>
-        <p:nvSpPr>
-          <p:cNvPr id="2" name="Rectangle 1"/>
-          <p:cNvSpPr/>
-          <p:nvPr/>
-        </p:nvSpPr>
-        <p:spPr>
-          <a:xfrm>
-            <a:off x="1979712" y="188640"/>
-            <a:ext cx="6696744" cy="492443"/>
-          </a:xfrm>
-          <a:prstGeom prst="rect">
-            <a:avLst/>
-          </a:prstGeom>
-        </p:spPr>
-        <p:txBody>
-          <a:bodyPr wrap="square">
-            <a:spAutoFit/>
-          </a:bodyPr>
-          <a:lstStyle/>
-          <a:p>
-            <a:pPr algn="ctr"/>
-            <a:r>
-              <a:rPr lang="pl-PL" sz="2600" dirty="0">
-                <a:solidFill>
-                  <a:schemeClr val="bg1"/>
-                </a:solidFill>
-                <a:latin typeface="Verdana" panose="020B0604030504040204" pitchFamily="34" charset="0"/>
-                <a:ea typeface="Verdana" panose="020B0604030504040204" pitchFamily="34" charset="0"/>
-                <a:cs typeface="Verdana" panose="020B0604030504040204" pitchFamily="34" charset="0"/>
-              </a:rPr>
-              <a:t>Architektura platformy Android</a:t>
-            </a:r>
-          </a:p>
-        </p:txBody>
-      </p:sp>
-      <p:sp>
-        <p:nvSpPr>
-          <p:cNvPr id="6" name="Prostokąt 5">
-            <a:extLst>
-              <a:ext uri="{FF2B5EF4-FFF2-40B4-BE49-F238E27FC236}">
-                <a16:creationId xmlns:a16="http://schemas.microsoft.com/office/drawing/2014/main" id="{CA41B780-B57E-411C-AAD5-3D3D6912F664}"/>
-              </a:ext>
-            </a:extLst>
-          </p:cNvPr>
-          <p:cNvSpPr/>
-          <p:nvPr/>
-        </p:nvSpPr>
-        <p:spPr>
-          <a:xfrm>
-            <a:off x="970062" y="836712"/>
-            <a:ext cx="8172400" cy="6021288"/>
-          </a:xfrm>
-          <a:prstGeom prst="rect">
-            <a:avLst/>
-          </a:prstGeom>
-          <a:solidFill>
-            <a:schemeClr val="tx1"/>
-          </a:solidFill>
-        </p:spPr>
-        <p:style>
-          <a:lnRef idx="1">
-            <a:schemeClr val="accent1"/>
-          </a:lnRef>
-          <a:fillRef idx="3">
-            <a:schemeClr val="accent1"/>
-          </a:fillRef>
-          <a:effectRef idx="2">
-            <a:schemeClr val="accent1"/>
-          </a:effectRef>
-          <a:fontRef idx="minor">
-            <a:schemeClr val="lt1"/>
-          </a:fontRef>
-        </p:style>
-        <p:txBody>
-          <a:bodyPr rtlCol="0" anchor="ctr"/>
-          <a:lstStyle/>
-          <a:p>
-            <a:pPr algn="ctr"/>
-            <a:endParaRPr lang="pl-PL"/>
-          </a:p>
-        </p:txBody>
-      </p:sp>
-      <p:pic>
-        <p:nvPicPr>
-          <p:cNvPr id="4" name="Obraz 3" descr="Obraz zawierający zielony, gracz&#10;&#10;Opis wygenerowany automatycznie">
-            <a:extLst>
-              <a:ext uri="{FF2B5EF4-FFF2-40B4-BE49-F238E27FC236}">
-                <a16:creationId xmlns:a16="http://schemas.microsoft.com/office/drawing/2014/main" id="{911656D7-8ABE-4FF6-A1E3-223B131064D5}"/>
-              </a:ext>
-            </a:extLst>
-          </p:cNvPr>
-          <p:cNvPicPr>
-            <a:picLocks noChangeAspect="1"/>
-          </p:cNvPicPr>
-          <p:nvPr/>
-        </p:nvPicPr>
-        <p:blipFill>
-          <a:blip r:embed="rId4">
-            <a:extLst>
-              <a:ext uri="{28A0092B-C50C-407E-A947-70E740481C1C}">
-                <a14:useLocalDpi xmlns:a14="http://schemas.microsoft.com/office/drawing/2010/main" val="0"/>
-              </a:ext>
-            </a:extLst>
-          </a:blip>
-          <a:stretch>
-            <a:fillRect/>
-          </a:stretch>
-        </p:blipFill>
-        <p:spPr>
-          <a:xfrm>
-            <a:off x="2965524" y="980728"/>
-            <a:ext cx="4181475" cy="1619250"/>
-          </a:xfrm>
-          <a:prstGeom prst="rect">
-            <a:avLst/>
-          </a:prstGeom>
-        </p:spPr>
-      </p:pic>
-      <p:sp>
-        <p:nvSpPr>
-          <p:cNvPr id="7" name="pole tekstowe 6">
-            <a:extLst>
-              <a:ext uri="{FF2B5EF4-FFF2-40B4-BE49-F238E27FC236}">
-                <a16:creationId xmlns:a16="http://schemas.microsoft.com/office/drawing/2014/main" id="{85A235F4-B089-4484-B3CF-85CC670D9425}"/>
-              </a:ext>
-            </a:extLst>
-          </p:cNvPr>
-          <p:cNvSpPr txBox="1"/>
-          <p:nvPr/>
-        </p:nvSpPr>
-        <p:spPr>
-          <a:xfrm>
-            <a:off x="971600" y="2755607"/>
-            <a:ext cx="8170862" cy="3780522"/>
-          </a:xfrm>
-          <a:prstGeom prst="rect">
-            <a:avLst/>
-          </a:prstGeom>
-          <a:noFill/>
-        </p:spPr>
-        <p:txBody>
-          <a:bodyPr wrap="square" rtlCol="0">
-            <a:spAutoFit/>
-          </a:bodyPr>
-          <a:lstStyle/>
-          <a:p>
-            <a:pPr marL="171450" indent="-171450">
-              <a:buFont typeface="Courier New" panose="02070309020205020404" pitchFamily="49" charset="0"/>
-              <a:buChar char="o"/>
-            </a:pPr>
-            <a:r>
-              <a:rPr lang="pl-PL" sz="1800" dirty="0">
-                <a:solidFill>
-                  <a:schemeClr val="bg1"/>
-                </a:solidFill>
-              </a:rPr>
-              <a:t>Natywne Biblioteki (C/C++)</a:t>
-            </a:r>
-          </a:p>
-          <a:p>
-            <a:pPr marL="171450" indent="-171450">
-              <a:buFont typeface="Courier New" panose="02070309020205020404" pitchFamily="49" charset="0"/>
-              <a:buChar char="o"/>
-            </a:pPr>
-            <a:r>
-              <a:rPr lang="pl-PL" sz="1800" dirty="0">
-                <a:solidFill>
-                  <a:schemeClr val="bg1"/>
-                </a:solidFill>
-              </a:rPr>
-              <a:t>Zapewniają interfejs pomiędzy sterownikiem a aplikacją</a:t>
-            </a:r>
-          </a:p>
-          <a:p>
-            <a:pPr marL="171450" indent="-171450">
-              <a:buFont typeface="Courier New" panose="02070309020205020404" pitchFamily="49" charset="0"/>
-              <a:buChar char="o"/>
-            </a:pPr>
-            <a:endParaRPr lang="pl-PL" sz="1800" dirty="0">
-              <a:solidFill>
-                <a:schemeClr val="bg1"/>
-              </a:solidFill>
-            </a:endParaRPr>
-          </a:p>
-          <a:p>
-            <a:pPr marL="171450" indent="-171450">
-              <a:lnSpc>
-                <a:spcPct val="150000"/>
-              </a:lnSpc>
-              <a:buFont typeface="Courier New" panose="02070309020205020404" pitchFamily="49" charset="0"/>
-              <a:buChar char="o"/>
-            </a:pPr>
-            <a:r>
-              <a:rPr lang="pl-PL" sz="1800" b="1" dirty="0">
-                <a:solidFill>
-                  <a:schemeClr val="bg1"/>
-                </a:solidFill>
-              </a:rPr>
-              <a:t>Surface Manager</a:t>
-            </a:r>
-            <a:r>
-              <a:rPr lang="pl-PL" sz="1800" dirty="0">
-                <a:solidFill>
-                  <a:schemeClr val="bg1"/>
-                </a:solidFill>
-              </a:rPr>
-              <a:t> – rysowanie okien na ekranie działających na różnych procesach</a:t>
-            </a:r>
-          </a:p>
-          <a:p>
-            <a:pPr marL="171450" indent="-171450">
-              <a:lnSpc>
-                <a:spcPct val="150000"/>
-              </a:lnSpc>
-              <a:buFont typeface="Courier New" panose="02070309020205020404" pitchFamily="49" charset="0"/>
-              <a:buChar char="o"/>
-            </a:pPr>
-            <a:r>
-              <a:rPr lang="pl-PL" sz="1800" b="1" dirty="0" err="1">
-                <a:solidFill>
-                  <a:schemeClr val="bg1"/>
-                </a:solidFill>
-              </a:rPr>
-              <a:t>OpenGL</a:t>
-            </a:r>
-            <a:r>
-              <a:rPr lang="pl-PL" sz="1800" b="1" dirty="0">
-                <a:solidFill>
-                  <a:schemeClr val="bg1"/>
-                </a:solidFill>
-              </a:rPr>
-              <a:t>/ES, SGL </a:t>
-            </a:r>
-            <a:r>
-              <a:rPr lang="pl-PL" sz="1800" dirty="0">
-                <a:solidFill>
-                  <a:schemeClr val="bg1"/>
-                </a:solidFill>
-              </a:rPr>
-              <a:t>– biblioteki 3D i 2D</a:t>
-            </a:r>
-          </a:p>
-          <a:p>
-            <a:pPr marL="171450" indent="-171450">
-              <a:lnSpc>
-                <a:spcPct val="150000"/>
-              </a:lnSpc>
-              <a:buFont typeface="Courier New" panose="02070309020205020404" pitchFamily="49" charset="0"/>
-              <a:buChar char="o"/>
-            </a:pPr>
-            <a:r>
-              <a:rPr lang="pl-PL" sz="1800" b="1" dirty="0">
-                <a:solidFill>
-                  <a:schemeClr val="bg1"/>
-                </a:solidFill>
-              </a:rPr>
-              <a:t>Media Framework</a:t>
-            </a:r>
-            <a:r>
-              <a:rPr lang="pl-PL" sz="1800" dirty="0">
-                <a:solidFill>
-                  <a:schemeClr val="bg1"/>
-                </a:solidFill>
-              </a:rPr>
-              <a:t> – kodeki Audio/Video</a:t>
-            </a:r>
-          </a:p>
-          <a:p>
-            <a:pPr marL="171450" indent="-171450">
-              <a:lnSpc>
-                <a:spcPct val="150000"/>
-              </a:lnSpc>
-              <a:buFont typeface="Courier New" panose="02070309020205020404" pitchFamily="49" charset="0"/>
-              <a:buChar char="o"/>
-            </a:pPr>
-            <a:r>
-              <a:rPr lang="pl-PL" sz="1800" b="1" dirty="0" err="1">
-                <a:solidFill>
-                  <a:schemeClr val="bg1"/>
-                </a:solidFill>
-              </a:rPr>
-              <a:t>Free</a:t>
-            </a:r>
-            <a:r>
-              <a:rPr lang="pl-PL" sz="1800" b="1" dirty="0">
-                <a:solidFill>
-                  <a:schemeClr val="bg1"/>
-                </a:solidFill>
-              </a:rPr>
-              <a:t> </a:t>
-            </a:r>
-            <a:r>
-              <a:rPr lang="pl-PL" sz="1800" b="1" dirty="0" err="1">
-                <a:solidFill>
-                  <a:schemeClr val="bg1"/>
-                </a:solidFill>
-              </a:rPr>
-              <a:t>Type</a:t>
-            </a:r>
-            <a:r>
-              <a:rPr lang="pl-PL" sz="1800" dirty="0">
-                <a:solidFill>
-                  <a:schemeClr val="bg1"/>
-                </a:solidFill>
-              </a:rPr>
-              <a:t> – </a:t>
-            </a:r>
-            <a:r>
-              <a:rPr lang="pl-PL" sz="1800" dirty="0" err="1">
-                <a:solidFill>
-                  <a:schemeClr val="bg1"/>
-                </a:solidFill>
-              </a:rPr>
-              <a:t>renderer</a:t>
-            </a:r>
-            <a:r>
-              <a:rPr lang="pl-PL" sz="1800" dirty="0">
-                <a:solidFill>
-                  <a:schemeClr val="bg1"/>
-                </a:solidFill>
-              </a:rPr>
-              <a:t> czcionek</a:t>
-            </a:r>
-          </a:p>
-          <a:p>
-            <a:pPr marL="171450" indent="-171450">
-              <a:lnSpc>
-                <a:spcPct val="150000"/>
-              </a:lnSpc>
-              <a:buFont typeface="Courier New" panose="02070309020205020404" pitchFamily="49" charset="0"/>
-              <a:buChar char="o"/>
-            </a:pPr>
-            <a:r>
-              <a:rPr lang="pl-PL" sz="1800" b="1" dirty="0" err="1">
-                <a:solidFill>
-                  <a:schemeClr val="bg1"/>
-                </a:solidFill>
-              </a:rPr>
-              <a:t>SQLite</a:t>
-            </a:r>
-            <a:r>
-              <a:rPr lang="pl-PL" sz="1800" dirty="0">
-                <a:solidFill>
-                  <a:schemeClr val="bg1"/>
-                </a:solidFill>
-              </a:rPr>
-              <a:t> – implementacja baz danych</a:t>
-            </a:r>
-          </a:p>
-          <a:p>
-            <a:pPr marL="171450" indent="-171450">
-              <a:lnSpc>
-                <a:spcPct val="150000"/>
-              </a:lnSpc>
-              <a:buFont typeface="Courier New" panose="02070309020205020404" pitchFamily="49" charset="0"/>
-              <a:buChar char="o"/>
-            </a:pPr>
-            <a:r>
-              <a:rPr lang="pl-PL" sz="1800" b="1" dirty="0" err="1">
-                <a:solidFill>
-                  <a:schemeClr val="bg1"/>
-                </a:solidFill>
-              </a:rPr>
-              <a:t>WebKit</a:t>
-            </a:r>
-            <a:r>
-              <a:rPr lang="pl-PL" sz="1800" dirty="0">
-                <a:solidFill>
-                  <a:schemeClr val="bg1"/>
-                </a:solidFill>
-              </a:rPr>
-              <a:t> – silnik przeglądarki</a:t>
-            </a:r>
-            <a:endParaRPr lang="pl-PL" sz="1800" b="1" dirty="0">
-              <a:solidFill>
-                <a:schemeClr val="bg1"/>
-              </a:solidFill>
-            </a:endParaRPr>
-          </a:p>
-        </p:txBody>
-      </p:sp>
-    </p:spTree>
-    <p:extLst>
-      <p:ext uri="{BB962C8B-B14F-4D97-AF65-F5344CB8AC3E}">
-        <p14:creationId xmlns:p14="http://schemas.microsoft.com/office/powerpoint/2010/main" val="1348041617"/>
-      </p:ext>
-    </p:extLst>
-  </p:cSld>
-  <p:clrMapOvr>
-    <a:masterClrMapping/>
-  </p:clrMapOvr>
-</p:sld>
-</file>
-
 <file path=ppt/slides/slide9.xml><?xml version="1.0" encoding="utf-8"?>
 <p:sld xmlns:a="http://schemas.openxmlformats.org/drawingml/2006/main" xmlns:r="http://schemas.openxmlformats.org/officeDocument/2006/relationships" xmlns:p="http://schemas.openxmlformats.org/presentationml/2006/main">
   <p:cSld>
@@ -7305,7 +8327,7 @@
                 <a:ea typeface="Verdana" panose="020B0604030504040204" pitchFamily="34" charset="0"/>
                 <a:cs typeface="Verdana" panose="020B0604030504040204" pitchFamily="34" charset="0"/>
               </a:rPr>
-              <a:t>Architektura platformy Android</a:t>
+              <a:t>ZASADY ZALICZENIA</a:t>
             </a:r>
           </a:p>
         </p:txBody>
@@ -7324,14 +8346,17 @@
         </p:nvSpPr>
         <p:spPr>
           <a:xfrm>
-            <a:off x="970062" y="836712"/>
+            <a:off x="971600" y="836712"/>
             <a:ext cx="8172400" cy="6021288"/>
           </a:xfrm>
           <a:prstGeom prst="rect">
             <a:avLst/>
           </a:prstGeom>
           <a:solidFill>
-            <a:schemeClr val="tx1"/>
+            <a:schemeClr val="tx1">
+              <a:lumMod val="75000"/>
+              <a:lumOff val="25000"/>
+            </a:schemeClr>
           </a:solidFill>
         </p:spPr>
         <p:style>
@@ -7357,48 +8382,12 @@
           </a:p>
         </p:txBody>
       </p:sp>
-      <p:pic>
-        <p:nvPicPr>
-          <p:cNvPr id="4" name="Obraz 3">
+      <p:sp>
+        <p:nvSpPr>
+          <p:cNvPr id="5" name="TextBox 1">
             <a:extLst>
               <a:ext uri="{FF2B5EF4-FFF2-40B4-BE49-F238E27FC236}">
-                <a16:creationId xmlns:a16="http://schemas.microsoft.com/office/drawing/2014/main" id="{896D6FAB-0560-4BC8-AC1B-D44E9F1DA178}"/>
-              </a:ext>
-            </a:extLst>
-          </p:cNvPr>
-          <p:cNvPicPr>
-            <a:picLocks noChangeAspect="1"/>
-          </p:cNvPicPr>
-          <p:nvPr/>
-        </p:nvPicPr>
-        <p:blipFill>
-          <a:blip r:embed="rId4">
-            <a:extLst>
-              <a:ext uri="{28A0092B-C50C-407E-A947-70E740481C1C}">
-                <a14:useLocalDpi xmlns:a14="http://schemas.microsoft.com/office/drawing/2010/main" val="0"/>
-              </a:ext>
-            </a:extLst>
-          </a:blip>
-          <a:stretch>
-            <a:fillRect/>
-          </a:stretch>
-        </p:blipFill>
-        <p:spPr>
-          <a:xfrm>
-            <a:off x="3727524" y="1124744"/>
-            <a:ext cx="2657475" cy="1304925"/>
-          </a:xfrm>
-          <a:prstGeom prst="rect">
-            <a:avLst/>
-          </a:prstGeom>
-        </p:spPr>
-      </p:pic>
-      <p:sp>
-        <p:nvSpPr>
-          <p:cNvPr id="7" name="pole tekstowe 6">
-            <a:extLst>
-              <a:ext uri="{FF2B5EF4-FFF2-40B4-BE49-F238E27FC236}">
-                <a16:creationId xmlns:a16="http://schemas.microsoft.com/office/drawing/2014/main" id="{0B494A33-40B3-46AE-8B4A-124055F83C71}"/>
+                <a16:creationId xmlns:a16="http://schemas.microsoft.com/office/drawing/2014/main" id="{5286C2FE-3D37-42C9-AFA2-106F80EDBDEA}"/>
               </a:ext>
             </a:extLst>
           </p:cNvPr>
@@ -7407,8 +8396,8 @@
         </p:nvSpPr>
         <p:spPr>
           <a:xfrm>
-            <a:off x="971600" y="2755607"/>
-            <a:ext cx="8170862" cy="2672526"/>
+            <a:off x="970480" y="1124744"/>
+            <a:ext cx="8172400" cy="5601533"/>
           </a:xfrm>
           <a:prstGeom prst="rect">
             <a:avLst/>
@@ -7421,138 +8410,219 @@
           </a:bodyPr>
           <a:lstStyle/>
           <a:p>
-            <a:pPr marL="171450" indent="-171450">
-              <a:lnSpc>
-                <a:spcPct val="150000"/>
-              </a:lnSpc>
-              <a:buFont typeface="Courier New" panose="02070309020205020404" pitchFamily="49" charset="0"/>
-              <a:buChar char="o"/>
+            <a:pPr marL="342900" indent="-342900">
+              <a:spcAft>
+                <a:spcPts val="1200"/>
+              </a:spcAft>
+              <a:buFont typeface="Arial" panose="020B0604020202020204" pitchFamily="34" charset="0"/>
+              <a:buChar char="•"/>
             </a:pPr>
             <a:r>
-              <a:rPr lang="pl-PL" sz="1800" b="1" dirty="0" err="1">
+              <a:rPr lang="pl-PL" sz="2400" dirty="0">
                 <a:solidFill>
                   <a:schemeClr val="bg1"/>
                 </a:solidFill>
               </a:rPr>
-              <a:t>Core</a:t>
-            </a:r>
-            <a:r>
-              <a:rPr lang="pl-PL" sz="1800" b="1" dirty="0">
+              <a:t>Warunkiem zaliczenia wykładu jest </a:t>
+            </a:r>
+            <a:r>
+              <a:rPr lang="pl-PL" sz="2400" u="sng" dirty="0">
                 <a:solidFill>
                   <a:schemeClr val="bg1"/>
                 </a:solidFill>
               </a:rPr>
-              <a:t> Java Libraries</a:t>
-            </a:r>
-            <a:r>
-              <a:rPr lang="pl-PL" sz="1800" dirty="0">
+              <a:t>przygotowanie opisu </a:t>
+            </a:r>
+            <a:r>
+              <a:rPr lang="pl-PL" sz="2400" dirty="0">
                 <a:solidFill>
                   <a:schemeClr val="bg1"/>
                 </a:solidFill>
               </a:rPr>
-              <a:t> – zbiór bibliotek języka Java</a:t>
-            </a:r>
-          </a:p>
-          <a:p>
-            <a:pPr marL="171450" indent="-171450">
-              <a:lnSpc>
-                <a:spcPct val="150000"/>
-              </a:lnSpc>
-              <a:buFont typeface="Courier New" panose="02070309020205020404" pitchFamily="49" charset="0"/>
-              <a:buChar char="o"/>
+              <a:t>i </a:t>
+            </a:r>
+            <a:r>
+              <a:rPr lang="pl-PL" sz="2400" u="sng" dirty="0">
+                <a:solidFill>
+                  <a:schemeClr val="bg1"/>
+                </a:solidFill>
+              </a:rPr>
+              <a:t>wykonanie projektu</a:t>
+            </a:r>
+          </a:p>
+          <a:p>
+            <a:pPr marL="342900" indent="-342900">
+              <a:spcAft>
+                <a:spcPts val="1200"/>
+              </a:spcAft>
+              <a:buFont typeface="Arial" panose="020B0604020202020204" pitchFamily="34" charset="0"/>
+              <a:buChar char="•"/>
             </a:pPr>
             <a:r>
-              <a:rPr lang="pl-PL" sz="1800" b="1" dirty="0" err="1">
+              <a:rPr lang="pl-PL" sz="2400" dirty="0">
                 <a:solidFill>
                   <a:schemeClr val="bg1"/>
                 </a:solidFill>
               </a:rPr>
-              <a:t>Core</a:t>
-            </a:r>
-            <a:r>
-              <a:rPr lang="pl-PL" sz="1800" b="1" dirty="0">
+              <a:t>Projekt wykonywany jest </a:t>
+            </a:r>
+            <a:r>
+              <a:rPr lang="pl-PL" sz="2400" u="sng" dirty="0">
                 <a:solidFill>
                   <a:schemeClr val="bg1"/>
                 </a:solidFill>
               </a:rPr>
-              <a:t> Android Libraries</a:t>
-            </a:r>
-            <a:r>
-              <a:rPr lang="pl-PL" sz="1800" dirty="0">
+              <a:t>indywidualnie</a:t>
+            </a:r>
+          </a:p>
+          <a:p>
+            <a:pPr marL="342900" indent="-342900">
+              <a:spcAft>
+                <a:spcPts val="1200"/>
+              </a:spcAft>
+              <a:buFont typeface="Arial" panose="020B0604020202020204" pitchFamily="34" charset="0"/>
+              <a:buChar char="•"/>
+            </a:pPr>
+            <a:r>
+              <a:rPr lang="pl-PL" sz="2400" dirty="0">
                 <a:solidFill>
                   <a:schemeClr val="bg1"/>
                 </a:solidFill>
               </a:rPr>
-              <a:t> – Interfejsy w języku Java do komponentów z warstwy Libraries</a:t>
-            </a:r>
-            <a:endParaRPr lang="pl-PL" sz="1800" b="1" dirty="0">
-              <a:solidFill>
-                <a:schemeClr val="bg1"/>
-              </a:solidFill>
-            </a:endParaRPr>
-          </a:p>
-          <a:p>
-            <a:pPr marL="171450" indent="-171450">
-              <a:buFont typeface="Courier New" panose="02070309020205020404" pitchFamily="49" charset="0"/>
-              <a:buChar char="o"/>
+              <a:t>Małe projekty zawierające </a:t>
+            </a:r>
+            <a:r>
+              <a:rPr lang="pl-PL" sz="2400" u="sng" dirty="0">
+                <a:solidFill>
+                  <a:schemeClr val="bg1"/>
+                </a:solidFill>
+              </a:rPr>
+              <a:t>funkcjonalności i mechanizmy </a:t>
+            </a:r>
+            <a:r>
+              <a:rPr lang="pl-PL" sz="2400" dirty="0">
+                <a:solidFill>
+                  <a:schemeClr val="bg1"/>
+                </a:solidFill>
+              </a:rPr>
+              <a:t>przedstawione na zajęciach</a:t>
+            </a:r>
+          </a:p>
+          <a:p>
+            <a:pPr marL="342900" indent="-342900">
+              <a:spcAft>
+                <a:spcPts val="1200"/>
+              </a:spcAft>
+              <a:buFont typeface="Arial" panose="020B0604020202020204" pitchFamily="34" charset="0"/>
+              <a:buChar char="•"/>
             </a:pPr>
-            <a:endParaRPr lang="pl-PL" sz="1800" b="1" dirty="0">
-              <a:solidFill>
-                <a:schemeClr val="bg1"/>
-              </a:solidFill>
-            </a:endParaRPr>
-          </a:p>
-          <a:p>
-            <a:pPr marL="171450" indent="-171450">
-              <a:buFont typeface="Courier New" panose="02070309020205020404" pitchFamily="49" charset="0"/>
-              <a:buChar char="o"/>
+            <a:r>
+              <a:rPr lang="pl-PL" sz="2400" dirty="0">
+                <a:solidFill>
+                  <a:schemeClr val="bg1"/>
+                </a:solidFill>
+              </a:rPr>
+              <a:t>Opis powinien zawierać krótkie przedstawienie </a:t>
+            </a:r>
+            <a:r>
+              <a:rPr lang="pl-PL" sz="2400" u="sng" dirty="0">
+                <a:solidFill>
+                  <a:schemeClr val="bg1"/>
+                </a:solidFill>
+              </a:rPr>
+              <a:t>funkcjonalności aplikacji</a:t>
+            </a:r>
+            <a:r>
+              <a:rPr lang="pl-PL" sz="2400" dirty="0">
+                <a:solidFill>
+                  <a:schemeClr val="bg1"/>
+                </a:solidFill>
+              </a:rPr>
+              <a:t> i jej </a:t>
+            </a:r>
+            <a:r>
+              <a:rPr lang="pl-PL" sz="2400" u="sng" dirty="0">
+                <a:solidFill>
+                  <a:schemeClr val="bg1"/>
+                </a:solidFill>
+              </a:rPr>
+              <a:t>założenia</a:t>
+            </a:r>
+            <a:r>
+              <a:rPr lang="pl-PL" sz="2400" dirty="0">
+                <a:solidFill>
+                  <a:schemeClr val="bg1"/>
+                </a:solidFill>
+              </a:rPr>
+              <a:t> (dostępny szablon)</a:t>
+            </a:r>
+          </a:p>
+          <a:p>
+            <a:pPr marL="342900" indent="-342900">
+              <a:spcAft>
+                <a:spcPts val="1200"/>
+              </a:spcAft>
+              <a:buFont typeface="Arial" panose="020B0604020202020204" pitchFamily="34" charset="0"/>
+              <a:buChar char="•"/>
             </a:pPr>
-            <a:endParaRPr lang="pl-PL" sz="1800" b="1" dirty="0">
-              <a:solidFill>
-                <a:schemeClr val="bg1"/>
-              </a:solidFill>
-            </a:endParaRPr>
-          </a:p>
-          <a:p>
-            <a:pPr marL="171450" indent="-171450">
-              <a:lnSpc>
-                <a:spcPct val="150000"/>
-              </a:lnSpc>
-              <a:buFont typeface="Courier New" panose="02070309020205020404" pitchFamily="49" charset="0"/>
-              <a:buChar char="o"/>
+            <a:r>
+              <a:rPr lang="pl-PL" sz="2400" dirty="0">
+                <a:solidFill>
+                  <a:schemeClr val="bg1"/>
+                </a:solidFill>
+              </a:rPr>
+              <a:t>Ocenie podlegają:</a:t>
+            </a:r>
+          </a:p>
+          <a:p>
+            <a:pPr marL="800100" lvl="1" indent="-342900">
+              <a:spcAft>
+                <a:spcPts val="1200"/>
+              </a:spcAft>
+              <a:buFont typeface="Arial" panose="020B0604020202020204" pitchFamily="34" charset="0"/>
+              <a:buChar char="•"/>
             </a:pPr>
             <a:r>
-              <a:rPr lang="pl-PL" sz="1800" b="1" dirty="0" err="1">
+              <a:rPr lang="pl-PL" sz="2400" dirty="0">
                 <a:solidFill>
                   <a:schemeClr val="bg1"/>
                 </a:solidFill>
               </a:rPr>
-              <a:t>Dalvik</a:t>
-            </a:r>
-            <a:r>
-              <a:rPr lang="pl-PL" sz="1800" b="1" dirty="0">
+              <a:t>Prawidłowe wykonanie założonych funkcjonalności</a:t>
+            </a:r>
+          </a:p>
+          <a:p>
+            <a:pPr marL="800100" lvl="1" indent="-342900">
+              <a:spcAft>
+                <a:spcPts val="1200"/>
+              </a:spcAft>
+              <a:buFont typeface="Arial" panose="020B0604020202020204" pitchFamily="34" charset="0"/>
+              <a:buChar char="•"/>
+            </a:pPr>
+            <a:r>
+              <a:rPr lang="pl-PL" sz="2400" dirty="0">
                 <a:solidFill>
                   <a:schemeClr val="bg1"/>
                 </a:solidFill>
               </a:rPr>
-              <a:t> Virtual Machine – Java Virtual Machine</a:t>
-            </a:r>
-          </a:p>
-          <a:p>
-            <a:pPr marL="171450" indent="-171450">
-              <a:lnSpc>
-                <a:spcPct val="150000"/>
-              </a:lnSpc>
-              <a:buFont typeface="Courier New" panose="02070309020205020404" pitchFamily="49" charset="0"/>
-              <a:buChar char="o"/>
+              <a:t>Przejrzystość kodu</a:t>
+            </a:r>
+          </a:p>
+          <a:p>
+            <a:pPr marL="800100" lvl="1" indent="-342900">
+              <a:spcAft>
+                <a:spcPts val="1200"/>
+              </a:spcAft>
+              <a:buFont typeface="Arial" panose="020B0604020202020204" pitchFamily="34" charset="0"/>
+              <a:buChar char="•"/>
             </a:pPr>
             <a:r>
-              <a:rPr lang="pl-PL" sz="1800" b="1" dirty="0">
+              <a:rPr lang="pl-PL" sz="2400" dirty="0">
                 <a:solidFill>
                   <a:schemeClr val="bg1"/>
                 </a:solidFill>
               </a:rPr>
-              <a:t>Android Runtime</a:t>
+              <a:t>Odporność na błędy</a:t>
             </a:r>
           </a:p>
         </p:txBody>
@@ -7560,7 +8630,7 @@
     </p:spTree>
     <p:extLst>
       <p:ext uri="{BB962C8B-B14F-4D97-AF65-F5344CB8AC3E}">
-        <p14:creationId xmlns:p14="http://schemas.microsoft.com/office/powerpoint/2010/main" val="2607359867"/>
+        <p14:creationId xmlns:p14="http://schemas.microsoft.com/office/powerpoint/2010/main" val="1460940364"/>
       </p:ext>
     </p:extLst>
   </p:cSld>

--- a/2023-2024/Wyk/Wyklad0.pptx
+++ b/2023-2024/Wyk/Wyklad0.pptx
@@ -282,7 +282,7 @@
           <a:p>
             <a:fld id="{5113504E-0C99-2340-A5F6-DD6E1A87C372}" type="datetimeFigureOut">
               <a:rPr lang="pl-PL" smtClean="0"/>
-              <a:t>24.09.2023</a:t>
+              <a:t>02.10.2023</a:t>
             </a:fld>
             <a:endParaRPr lang="pl-PL"/>
           </a:p>
@@ -448,7 +448,7 @@
           <a:p>
             <a:fld id="{F78C933E-44E9-2D43-91B0-0D2BEEFA7EB9}" type="datetimeFigureOut">
               <a:rPr lang="pl-PL" smtClean="0"/>
-              <a:t>24.09.2023</a:t>
+              <a:t>02.10.2023</a:t>
             </a:fld>
             <a:endParaRPr lang="pl-PL"/>
           </a:p>
@@ -1849,7 +1849,7 @@
           <a:p>
             <a:fld id="{91017B01-0C30-B241-B19F-621BE4770608}" type="datetimeFigureOut">
               <a:rPr lang="pl-PL" smtClean="0"/>
-              <a:t>24.09.2023</a:t>
+              <a:t>02.10.2023</a:t>
             </a:fld>
             <a:endParaRPr lang="pl-PL"/>
           </a:p>
@@ -2018,7 +2018,7 @@
           <a:p>
             <a:fld id="{91017B01-0C30-B241-B19F-621BE4770608}" type="datetimeFigureOut">
               <a:rPr lang="pl-PL" smtClean="0"/>
-              <a:t>24.09.2023</a:t>
+              <a:t>02.10.2023</a:t>
             </a:fld>
             <a:endParaRPr lang="pl-PL"/>
           </a:p>
@@ -2197,7 +2197,7 @@
           <a:p>
             <a:fld id="{91017B01-0C30-B241-B19F-621BE4770608}" type="datetimeFigureOut">
               <a:rPr lang="pl-PL" smtClean="0"/>
-              <a:t>24.09.2023</a:t>
+              <a:t>02.10.2023</a:t>
             </a:fld>
             <a:endParaRPr lang="pl-PL"/>
           </a:p>
@@ -2366,7 +2366,7 @@
           <a:p>
             <a:fld id="{91017B01-0C30-B241-B19F-621BE4770608}" type="datetimeFigureOut">
               <a:rPr lang="pl-PL" smtClean="0"/>
-              <a:t>24.09.2023</a:t>
+              <a:t>02.10.2023</a:t>
             </a:fld>
             <a:endParaRPr lang="pl-PL"/>
           </a:p>
@@ -2612,7 +2612,7 @@
           <a:p>
             <a:fld id="{91017B01-0C30-B241-B19F-621BE4770608}" type="datetimeFigureOut">
               <a:rPr lang="pl-PL" smtClean="0"/>
-              <a:t>24.09.2023</a:t>
+              <a:t>02.10.2023</a:t>
             </a:fld>
             <a:endParaRPr lang="pl-PL"/>
           </a:p>
@@ -2898,7 +2898,7 @@
           <a:p>
             <a:fld id="{91017B01-0C30-B241-B19F-621BE4770608}" type="datetimeFigureOut">
               <a:rPr lang="pl-PL" smtClean="0"/>
-              <a:t>24.09.2023</a:t>
+              <a:t>02.10.2023</a:t>
             </a:fld>
             <a:endParaRPr lang="pl-PL"/>
           </a:p>
@@ -3318,7 +3318,7 @@
           <a:p>
             <a:fld id="{91017B01-0C30-B241-B19F-621BE4770608}" type="datetimeFigureOut">
               <a:rPr lang="pl-PL" smtClean="0"/>
-              <a:t>24.09.2023</a:t>
+              <a:t>02.10.2023</a:t>
             </a:fld>
             <a:endParaRPr lang="pl-PL"/>
           </a:p>
@@ -3436,7 +3436,7 @@
           <a:p>
             <a:fld id="{91017B01-0C30-B241-B19F-621BE4770608}" type="datetimeFigureOut">
               <a:rPr lang="pl-PL" smtClean="0"/>
-              <a:t>24.09.2023</a:t>
+              <a:t>02.10.2023</a:t>
             </a:fld>
             <a:endParaRPr lang="pl-PL"/>
           </a:p>
@@ -3532,7 +3532,7 @@
           <a:p>
             <a:fld id="{91017B01-0C30-B241-B19F-621BE4770608}" type="datetimeFigureOut">
               <a:rPr lang="pl-PL" smtClean="0"/>
-              <a:t>24.09.2023</a:t>
+              <a:t>02.10.2023</a:t>
             </a:fld>
             <a:endParaRPr lang="pl-PL"/>
           </a:p>
@@ -3809,7 +3809,7 @@
           <a:p>
             <a:fld id="{91017B01-0C30-B241-B19F-621BE4770608}" type="datetimeFigureOut">
               <a:rPr lang="pl-PL" smtClean="0"/>
-              <a:t>24.09.2023</a:t>
+              <a:t>02.10.2023</a:t>
             </a:fld>
             <a:endParaRPr lang="pl-PL"/>
           </a:p>
@@ -4065,7 +4065,7 @@
           <a:p>
             <a:fld id="{91017B01-0C30-B241-B19F-621BE4770608}" type="datetimeFigureOut">
               <a:rPr lang="pl-PL" smtClean="0"/>
-              <a:t>24.09.2023</a:t>
+              <a:t>02.10.2023</a:t>
             </a:fld>
             <a:endParaRPr lang="pl-PL"/>
           </a:p>
@@ -4277,7 +4277,7 @@
           <a:p>
             <a:fld id="{91017B01-0C30-B241-B19F-621BE4770608}" type="datetimeFigureOut">
               <a:rPr lang="pl-PL" smtClean="0"/>
-              <a:t>24.09.2023</a:t>
+              <a:t>02.10.2023</a:t>
             </a:fld>
             <a:endParaRPr lang="pl-PL"/>
           </a:p>
@@ -5222,7 +5222,7 @@
                   <a:schemeClr val="bg1"/>
                 </a:solidFill>
               </a:rPr>
-              <a:t>4,0 – 4,5: +Moduł 3, +Moduł 4</a:t>
+              <a:t>4,0 – 4,5: +Moduł 3</a:t>
             </a:r>
           </a:p>
           <a:p>
@@ -5239,7 +5239,7 @@
                   <a:schemeClr val="bg1"/>
                 </a:solidFill>
               </a:rPr>
-              <a:t>5,0: +Moduł 5</a:t>
+              <a:t>4,5 – 5,0: +Moduł 4</a:t>
             </a:r>
           </a:p>
         </p:txBody>
@@ -5341,7 +5341,7 @@
                   <a:schemeClr val="bg1"/>
                 </a:solidFill>
               </a:rPr>
-              <a:t>26.01.2024</a:t>
+              <a:t>30.01.2024</a:t>
             </a:r>
           </a:p>
         </p:txBody>
@@ -6064,23 +6064,8 @@
                 <a:ea typeface="OpenSymbol"/>
                 <a:cs typeface="OpenSymbol"/>
               </a:rPr>
-              <a:t> </a:t>
-            </a:r>
-            <a:r>
-              <a:rPr lang="pl-PL" sz="1600" kern="150" dirty="0" err="1">
-                <a:effectLst/>
-                <a:latin typeface="Verdana, Verdana"/>
-                <a:ea typeface="OpenSymbol"/>
-                <a:cs typeface="OpenSymbol"/>
-              </a:rPr>
-              <a:t>Navigation</a:t>
-            </a:r>
-            <a:endParaRPr lang="pl-PL" sz="1600" kern="150" dirty="0">
-              <a:effectLst/>
-              <a:latin typeface="Verdana, Verdana"/>
-              <a:ea typeface="OpenSymbol"/>
-              <a:cs typeface="OpenSymbol"/>
-            </a:endParaRPr>
+              <a:t> Navigation</a:t>
+            </a:r>
           </a:p>
           <a:p>
             <a:pPr marL="800100" lvl="1" indent="-342900">
@@ -6224,23 +6209,8 @@
                 <a:ea typeface="OpenSymbol"/>
                 <a:cs typeface="OpenSymbol"/>
               </a:rPr>
-              <a:t> </a:t>
-            </a:r>
-            <a:r>
-              <a:rPr lang="pl-PL" sz="1600" kern="150" dirty="0" err="1">
-                <a:effectLst/>
-                <a:latin typeface="Verdana, Verdana"/>
-                <a:ea typeface="OpenSymbol"/>
-                <a:cs typeface="OpenSymbol"/>
-              </a:rPr>
-              <a:t>Compose</a:t>
-            </a:r>
-            <a:endParaRPr lang="pl-PL" sz="1600" kern="150" dirty="0">
-              <a:effectLst/>
-              <a:latin typeface="Verdana, Verdana"/>
-              <a:ea typeface="OpenSymbol"/>
-              <a:cs typeface="OpenSymbol"/>
-            </a:endParaRPr>
+              <a:t> Compose</a:t>
+            </a:r>
           </a:p>
           <a:p>
             <a:pPr marL="800100" lvl="1" indent="-342900">
@@ -6306,41 +6276,8 @@
                 <a:ea typeface="OpenSymbol"/>
                 <a:cs typeface="OpenSymbol"/>
               </a:rPr>
-              <a:t>Nawigacja W Aplikacji – </a:t>
-            </a:r>
-            <a:r>
-              <a:rPr lang="pl-PL" sz="1600" kern="150" dirty="0" err="1">
-                <a:effectLst/>
-                <a:latin typeface="Verdana, Verdana"/>
-                <a:ea typeface="OpenSymbol"/>
-                <a:cs typeface="OpenSymbol"/>
-              </a:rPr>
-              <a:t>Compose</a:t>
-            </a:r>
-            <a:r>
-              <a:rPr lang="pl-PL" sz="1600" kern="150" dirty="0">
-                <a:effectLst/>
-                <a:latin typeface="Verdana, Verdana"/>
-                <a:ea typeface="OpenSymbol"/>
-                <a:cs typeface="OpenSymbol"/>
-              </a:rPr>
-              <a:t> </a:t>
-            </a:r>
-            <a:r>
-              <a:rPr lang="pl-PL" sz="1600" kern="150" dirty="0" err="1">
-                <a:effectLst/>
-                <a:latin typeface="Verdana, Verdana"/>
-                <a:ea typeface="OpenSymbol"/>
-                <a:cs typeface="OpenSymbol"/>
-              </a:rPr>
-              <a:t>Navigation</a:t>
-            </a:r>
-            <a:endParaRPr lang="pl-PL" sz="1600" kern="150" dirty="0">
-              <a:effectLst/>
-              <a:latin typeface="Verdana, Verdana"/>
-              <a:ea typeface="OpenSymbol"/>
-              <a:cs typeface="OpenSymbol"/>
-            </a:endParaRPr>
+              <a:t>Nawigacja W Aplikacji – Compose Navigation</a:t>
+            </a:r>
           </a:p>
           <a:p>
             <a:pPr marL="800100" lvl="1" indent="-342900">
@@ -6359,7 +6296,7 @@
                 <a:ea typeface="OpenSymbol"/>
                 <a:cs typeface="OpenSymbol"/>
               </a:rPr>
-              <a:t>Tworzenie List – </a:t>
+              <a:t>Tworzenie List – LazyColumn, </a:t>
             </a:r>
             <a:r>
               <a:rPr lang="pl-PL" sz="1600" kern="150" dirty="0" err="1">
@@ -6367,7 +6304,7 @@
                 <a:ea typeface="OpenSymbol"/>
                 <a:cs typeface="OpenSymbol"/>
               </a:rPr>
-              <a:t>LazyColumn</a:t>
+              <a:t>Column</a:t>
             </a:r>
             <a:r>
               <a:rPr lang="pl-PL" sz="1600" kern="150" dirty="0">
@@ -6375,39 +6312,7 @@
                 <a:ea typeface="OpenSymbol"/>
                 <a:cs typeface="OpenSymbol"/>
               </a:rPr>
-              <a:t>, </a:t>
-            </a:r>
-            <a:r>
-              <a:rPr lang="pl-PL" sz="1600" kern="150" dirty="0" err="1">
-                <a:latin typeface="Verdana, Verdana"/>
-                <a:ea typeface="OpenSymbol"/>
-                <a:cs typeface="OpenSymbol"/>
-              </a:rPr>
-              <a:t>Column</a:t>
-            </a:r>
-            <a:r>
-              <a:rPr lang="pl-PL" sz="1600" kern="150" dirty="0">
-                <a:latin typeface="Verdana, Verdana"/>
-                <a:ea typeface="OpenSymbol"/>
-                <a:cs typeface="OpenSymbol"/>
-              </a:rPr>
-              <a:t>, </a:t>
-            </a:r>
-            <a:r>
-              <a:rPr lang="pl-PL" sz="1600" kern="150" dirty="0" err="1">
-                <a:latin typeface="Verdana, Verdana"/>
-                <a:ea typeface="OpenSymbol"/>
-                <a:cs typeface="OpenSymbol"/>
-              </a:rPr>
-              <a:t>LazyRow</a:t>
-            </a:r>
-            <a:r>
-              <a:rPr lang="pl-PL" sz="1600" kern="150" dirty="0">
-                <a:latin typeface="Verdana, Verdana"/>
-                <a:ea typeface="OpenSymbol"/>
-                <a:cs typeface="OpenSymbol"/>
-              </a:rPr>
-              <a:t>, </a:t>
+              <a:t>, LazyRow, </a:t>
             </a:r>
             <a:r>
               <a:rPr lang="pl-PL" sz="1600" kern="150" dirty="0" err="1">
@@ -7004,165 +6909,6 @@
               <a:t>Paginacja W Aplikacji – Biblioteka Paging3</a:t>
             </a:r>
           </a:p>
-          <a:p>
-            <a:pPr lvl="1">
-              <a:spcAft>
-                <a:spcPts val="600"/>
-              </a:spcAft>
-              <a:tabLst>
-                <a:tab pos="-365760" algn="l"/>
-              </a:tabLst>
-            </a:pPr>
-            <a:endParaRPr lang="pl-PL" sz="1600" kern="150" dirty="0">
-              <a:latin typeface="Verdana, Verdana"/>
-              <a:ea typeface="OpenSymbol"/>
-              <a:cs typeface="OpenSymbol"/>
-            </a:endParaRPr>
-          </a:p>
-          <a:p>
-            <a:pPr marL="342900" indent="-342900">
-              <a:spcAft>
-                <a:spcPts val="600"/>
-              </a:spcAft>
-              <a:buFont typeface="Arial" panose="020B0604020202020204" pitchFamily="34" charset="0"/>
-              <a:buChar char="•"/>
-              <a:tabLst>
-                <a:tab pos="-365760" algn="l"/>
-              </a:tabLst>
-            </a:pPr>
-            <a:r>
-              <a:rPr lang="pl-PL" sz="1600" b="1" kern="150" dirty="0">
-                <a:effectLst/>
-                <a:latin typeface="Verdana, Verdana"/>
-                <a:ea typeface="OpenSymbol"/>
-                <a:cs typeface="OpenSymbol"/>
-              </a:rPr>
-              <a:t>Modu</a:t>
-            </a:r>
-            <a:r>
-              <a:rPr lang="pl-PL" sz="1600" b="1" kern="150" dirty="0">
-                <a:latin typeface="Verdana, Verdana"/>
-                <a:ea typeface="OpenSymbol"/>
-                <a:cs typeface="OpenSymbol"/>
-              </a:rPr>
-              <a:t>ł 5 – Wstrzykiwanie Zależności (Kotlin, Java)</a:t>
-            </a:r>
-            <a:endParaRPr lang="pl-PL" sz="1600" kern="150" dirty="0">
-              <a:latin typeface="Verdana, Verdana"/>
-              <a:ea typeface="OpenSymbol"/>
-              <a:cs typeface="OpenSymbol"/>
-            </a:endParaRPr>
-          </a:p>
-          <a:p>
-            <a:pPr marL="800100" lvl="1" indent="-342900">
-              <a:spcAft>
-                <a:spcPts val="600"/>
-              </a:spcAft>
-              <a:buFont typeface="Arial" panose="020B0604020202020204" pitchFamily="34" charset="0"/>
-              <a:buChar char="•"/>
-              <a:tabLst>
-                <a:tab pos="-365760" algn="l"/>
-              </a:tabLst>
-            </a:pPr>
-            <a:r>
-              <a:rPr lang="pl-PL" sz="1600" kern="150" dirty="0">
-                <a:latin typeface="Verdana, Verdana"/>
-                <a:ea typeface="OpenSymbol"/>
-                <a:cs typeface="OpenSymbol"/>
-              </a:rPr>
-              <a:t>Podstawy Wstrzykiwania Zależności – Biblioteka </a:t>
-            </a:r>
-            <a:r>
-              <a:rPr lang="pl-PL" sz="1600" kern="150" dirty="0" err="1">
-                <a:latin typeface="Verdana, Verdana"/>
-                <a:ea typeface="OpenSymbol"/>
-                <a:cs typeface="OpenSymbol"/>
-              </a:rPr>
-              <a:t>Dagger</a:t>
-            </a:r>
-            <a:endParaRPr lang="pl-PL" sz="1600" kern="150" dirty="0">
-              <a:latin typeface="Verdana, Verdana"/>
-              <a:ea typeface="OpenSymbol"/>
-              <a:cs typeface="OpenSymbol"/>
-            </a:endParaRPr>
-          </a:p>
-          <a:p>
-            <a:pPr marL="800100" lvl="1" indent="-342900">
-              <a:spcAft>
-                <a:spcPts val="600"/>
-              </a:spcAft>
-              <a:buFont typeface="Arial" panose="020B0604020202020204" pitchFamily="34" charset="0"/>
-              <a:buChar char="•"/>
-              <a:tabLst>
-                <a:tab pos="-365760" algn="l"/>
-              </a:tabLst>
-            </a:pPr>
-            <a:r>
-              <a:rPr lang="pl-PL" sz="1600" kern="150" dirty="0">
-                <a:effectLst/>
-                <a:latin typeface="Verdana, Verdana"/>
-                <a:ea typeface="OpenSymbol"/>
-                <a:cs typeface="OpenSymbol"/>
-              </a:rPr>
-              <a:t>Wstrzykiwani</a:t>
-            </a:r>
-            <a:r>
-              <a:rPr lang="pl-PL" sz="1600" kern="150" dirty="0">
-                <a:latin typeface="Verdana, Verdana"/>
-                <a:ea typeface="OpenSymbol"/>
-                <a:cs typeface="OpenSymbol"/>
-              </a:rPr>
-              <a:t>e Zależności Z </a:t>
-            </a:r>
-            <a:r>
-              <a:rPr lang="pl-PL" sz="1600" kern="150" dirty="0" err="1">
-                <a:latin typeface="Verdana, Verdana"/>
-                <a:ea typeface="OpenSymbol"/>
-                <a:cs typeface="OpenSymbol"/>
-              </a:rPr>
-              <a:t>Bliblioteką</a:t>
-            </a:r>
-            <a:r>
-              <a:rPr lang="pl-PL" sz="1600" kern="150" dirty="0">
-                <a:latin typeface="Verdana, Verdana"/>
-                <a:ea typeface="OpenSymbol"/>
-                <a:cs typeface="OpenSymbol"/>
-              </a:rPr>
-              <a:t> </a:t>
-            </a:r>
-            <a:r>
-              <a:rPr lang="pl-PL" sz="1600" kern="150" dirty="0" err="1">
-                <a:latin typeface="Verdana, Verdana"/>
-                <a:ea typeface="OpenSymbol"/>
-                <a:cs typeface="OpenSymbol"/>
-              </a:rPr>
-              <a:t>Hilt</a:t>
-            </a:r>
-            <a:endParaRPr lang="pl-PL" sz="1600" kern="150" dirty="0">
-              <a:effectLst/>
-              <a:latin typeface="Verdana, Verdana"/>
-              <a:ea typeface="OpenSymbol"/>
-              <a:cs typeface="OpenSymbol"/>
-            </a:endParaRPr>
-          </a:p>
-          <a:p>
-            <a:pPr marL="800100" lvl="1" indent="-342900">
-              <a:spcAft>
-                <a:spcPts val="600"/>
-              </a:spcAft>
-              <a:buFont typeface="Arial" panose="020B0604020202020204" pitchFamily="34" charset="0"/>
-              <a:buChar char="•"/>
-              <a:tabLst>
-                <a:tab pos="-365760" algn="l"/>
-              </a:tabLst>
-            </a:pPr>
-            <a:endParaRPr lang="pl-PL" sz="1600" kern="150" dirty="0">
-              <a:effectLst/>
-              <a:latin typeface="Verdana, Verdana"/>
-              <a:ea typeface="OpenSymbol"/>
-              <a:cs typeface="OpenSymbol"/>
-            </a:endParaRPr>
-          </a:p>
         </p:txBody>
       </p:sp>
     </p:spTree>
@@ -7528,21 +7274,8 @@
                   <a:schemeClr val="bg1"/>
                 </a:solidFill>
               </a:rPr>
-              <a:t> </a:t>
-            </a:r>
-            <a:r>
-              <a:rPr lang="pl-PL" sz="1600" b="1" dirty="0" err="1">
-                <a:solidFill>
-                  <a:schemeClr val="bg1"/>
-                </a:solidFill>
-              </a:rPr>
-              <a:t>Navigation</a:t>
-            </a:r>
-            <a:endParaRPr lang="pl-PL" sz="1600" b="1" dirty="0">
-              <a:solidFill>
-                <a:schemeClr val="bg1"/>
-              </a:solidFill>
-            </a:endParaRPr>
+              <a:t> Navigation</a:t>
+            </a:r>
           </a:p>
         </p:txBody>
       </p:sp>
@@ -7603,34 +7336,13 @@
               <a:buChar char="•"/>
             </a:pPr>
             <a:r>
-              <a:rPr lang="pl-PL" sz="1600" b="1" dirty="0" err="1">
+              <a:rPr lang="pl-PL" sz="1600" b="1" dirty="0">
                 <a:solidFill>
                   <a:schemeClr val="bg1"/>
                 </a:solidFill>
               </a:rPr>
-              <a:t>LazyColumn</a:t>
-            </a:r>
-            <a:r>
-              <a:rPr lang="pl-PL" sz="1600" b="1" dirty="0">
-                <a:solidFill>
-                  <a:schemeClr val="bg1"/>
-                </a:solidFill>
-              </a:rPr>
-              <a:t>, </a:t>
-            </a:r>
-            <a:r>
-              <a:rPr lang="pl-PL" sz="1600" b="1" dirty="0" err="1">
-                <a:solidFill>
-                  <a:schemeClr val="bg1"/>
-                </a:solidFill>
-              </a:rPr>
-              <a:t>LazyRow</a:t>
-            </a:r>
-            <a:endParaRPr lang="pl-PL" sz="1600" b="1" dirty="0">
-              <a:solidFill>
-                <a:schemeClr val="bg1"/>
-              </a:solidFill>
-            </a:endParaRPr>
+              <a:t>LazyColumn, LazyRow</a:t>
+            </a:r>
           </a:p>
           <a:p>
             <a:pPr marL="285750" indent="-285750">
@@ -7643,21 +7355,8 @@
                   <a:schemeClr val="bg1"/>
                 </a:solidFill>
               </a:rPr>
-              <a:t>Wsparcie dla </a:t>
-            </a:r>
-            <a:r>
-              <a:rPr lang="pl-PL" sz="1600" b="1" dirty="0" err="1">
-                <a:solidFill>
-                  <a:schemeClr val="bg1"/>
-                </a:solidFill>
-              </a:rPr>
-              <a:t>Figma</a:t>
-            </a:r>
-            <a:endParaRPr lang="pl-PL" sz="1600" b="1" dirty="0">
-              <a:solidFill>
-                <a:schemeClr val="bg1"/>
-              </a:solidFill>
-            </a:endParaRPr>
+              <a:t>Wsparcie dla Figma</a:t>
+            </a:r>
           </a:p>
           <a:p>
             <a:pPr marL="285750" indent="-285750">
@@ -7665,18 +7364,13 @@
               <a:buChar char="•"/>
             </a:pPr>
             <a:r>
-              <a:rPr lang="pl-PL" sz="1600" b="1" dirty="0" err="1">
+              <a:rPr lang="pl-PL" sz="1600" b="1" dirty="0">
                 <a:solidFill>
                   <a:schemeClr val="bg1"/>
                 </a:solidFill>
               </a:rPr>
               <a:t>State</a:t>
             </a:r>
-            <a:endParaRPr lang="pl-PL" sz="1600" b="1" dirty="0">
-              <a:solidFill>
-                <a:schemeClr val="bg1"/>
-              </a:solidFill>
-            </a:endParaRPr>
           </a:p>
           <a:p>
             <a:pPr marL="285750" indent="-285750">
@@ -7684,34 +7378,13 @@
               <a:buChar char="•"/>
             </a:pPr>
             <a:r>
-              <a:rPr lang="pl-PL" sz="1600" b="1" dirty="0" err="1">
+              <a:rPr lang="pl-PL" sz="1600" b="1" dirty="0">
                 <a:solidFill>
                   <a:schemeClr val="bg1"/>
                 </a:solidFill>
               </a:rPr>
-              <a:t>Compose</a:t>
-            </a:r>
-            <a:r>
-              <a:rPr lang="pl-PL" sz="1600" b="1" dirty="0">
-                <a:solidFill>
-                  <a:schemeClr val="bg1"/>
-                </a:solidFill>
-              </a:rPr>
-              <a:t> </a:t>
-            </a:r>
-            <a:r>
-              <a:rPr lang="pl-PL" sz="1600" b="1" dirty="0" err="1">
-                <a:solidFill>
-                  <a:schemeClr val="bg1"/>
-                </a:solidFill>
-              </a:rPr>
-              <a:t>Navigation</a:t>
-            </a:r>
-            <a:endParaRPr lang="pl-PL" sz="1600" b="1" dirty="0">
-              <a:solidFill>
-                <a:schemeClr val="bg1"/>
-              </a:solidFill>
-            </a:endParaRPr>
+              <a:t>Compose Navigation</a:t>
+            </a:r>
           </a:p>
         </p:txBody>
       </p:sp>
@@ -7729,8 +7402,8 @@
         </p:nvSpPr>
         <p:spPr>
           <a:xfrm>
-            <a:off x="4409492" y="5640481"/>
-            <a:ext cx="1345240" cy="1200329"/>
+            <a:off x="4352669" y="5517232"/>
+            <a:ext cx="1345240" cy="830997"/>
           </a:xfrm>
           <a:prstGeom prst="rect">
             <a:avLst/>
@@ -7760,16 +7433,6 @@
                 </a:solidFill>
               </a:rPr>
               <a:t>Moduł 4</a:t>
-            </a:r>
-          </a:p>
-          <a:p>
-            <a:r>
-              <a:rPr lang="pl-PL" sz="2400" b="1" dirty="0">
-                <a:solidFill>
-                  <a:schemeClr val="bg1"/>
-                </a:solidFill>
-              </a:rPr>
-              <a:t>Moduł 5</a:t>
             </a:r>
           </a:p>
         </p:txBody>
